--- a/Ising_plots.pptx
+++ b/Ising_plots.pptx
@@ -3323,10 +3323,10 @@
       </p:grpSpPr>
       <p:pic>
         <p:nvPicPr>
-          <p:cNvPr id="5" name="Picture 4" descr="A red and blue square with black background&#10;&#10;Description automatically generated">
-            <a:extLst>
-              <a:ext uri="{FF2B5EF4-FFF2-40B4-BE49-F238E27FC236}">
-                <a16:creationId xmlns:a16="http://schemas.microsoft.com/office/drawing/2014/main" id="{95F86377-647B-C20F-943E-772B9EA0F4CC}"/>
+          <p:cNvPr id="11" name="Picture 10" descr="A red square with black background&#10;&#10;Description automatically generated">
+            <a:extLst>
+              <a:ext uri="{FF2B5EF4-FFF2-40B4-BE49-F238E27FC236}">
+                <a16:creationId xmlns:a16="http://schemas.microsoft.com/office/drawing/2014/main" id="{FEBC8E53-8214-E83F-5FBA-FF3ADF529F1B}"/>
               </a:ext>
             </a:extLst>
           </p:cNvPr>
@@ -3343,8 +3343,8 @@
         </p:blipFill>
         <p:spPr>
           <a:xfrm>
-            <a:off x="2914135" y="2248929"/>
-            <a:ext cx="3904735" cy="3904735"/>
+            <a:off x="2560935" y="4142145"/>
+            <a:ext cx="2886029" cy="2886029"/>
           </a:xfrm>
           <a:prstGeom prst="rect">
             <a:avLst/>
@@ -3353,10 +3353,10 @@
       </p:pic>
       <p:pic>
         <p:nvPicPr>
-          <p:cNvPr id="7" name="Picture 6" descr="A pixelated square with red and blue squares&#10;&#10;Description automatically generated">
-            <a:extLst>
-              <a:ext uri="{FF2B5EF4-FFF2-40B4-BE49-F238E27FC236}">
-                <a16:creationId xmlns:a16="http://schemas.microsoft.com/office/drawing/2014/main" id="{22EEDC70-4E75-167E-25C8-6A4DABC5FB02}"/>
+          <p:cNvPr id="5" name="Picture 4" descr="A red and blue square with black background&#10;&#10;Description automatically generated">
+            <a:extLst>
+              <a:ext uri="{FF2B5EF4-FFF2-40B4-BE49-F238E27FC236}">
+                <a16:creationId xmlns:a16="http://schemas.microsoft.com/office/drawing/2014/main" id="{95F86377-647B-C20F-943E-772B9EA0F4CC}"/>
               </a:ext>
             </a:extLst>
           </p:cNvPr>
@@ -3373,8 +3373,8 @@
         </p:blipFill>
         <p:spPr>
           <a:xfrm>
-            <a:off x="6639699" y="3515499"/>
-            <a:ext cx="2638166" cy="2638166"/>
+            <a:off x="4988856" y="4142145"/>
+            <a:ext cx="2886029" cy="2886029"/>
           </a:xfrm>
           <a:prstGeom prst="rect">
             <a:avLst/>
@@ -3383,10 +3383,10 @@
       </p:pic>
       <p:pic>
         <p:nvPicPr>
-          <p:cNvPr id="11" name="Picture 10" descr="A red square with black background&#10;&#10;Description automatically generated">
-            <a:extLst>
-              <a:ext uri="{FF2B5EF4-FFF2-40B4-BE49-F238E27FC236}">
-                <a16:creationId xmlns:a16="http://schemas.microsoft.com/office/drawing/2014/main" id="{FEBC8E53-8214-E83F-5FBA-FF3ADF529F1B}"/>
+          <p:cNvPr id="7" name="Picture 6" descr="A pixelated square with red and blue squares&#10;&#10;Description automatically generated">
+            <a:extLst>
+              <a:ext uri="{FF2B5EF4-FFF2-40B4-BE49-F238E27FC236}">
+                <a16:creationId xmlns:a16="http://schemas.microsoft.com/office/drawing/2014/main" id="{22EEDC70-4E75-167E-25C8-6A4DABC5FB02}"/>
               </a:ext>
             </a:extLst>
           </p:cNvPr>
@@ -3403,7 +3403,7 @@
         </p:blipFill>
         <p:spPr>
           <a:xfrm>
-            <a:off x="194923" y="2903838"/>
+            <a:off x="7416776" y="4134585"/>
             <a:ext cx="2886029" cy="2886029"/>
           </a:xfrm>
           <a:prstGeom prst="rect">
@@ -3411,6 +3411,2094 @@
           </a:prstGeom>
         </p:spPr>
       </p:pic>
+      <p:grpSp>
+        <p:nvGrpSpPr>
+          <p:cNvPr id="32" name="Group 31">
+            <a:extLst>
+              <a:ext uri="{FF2B5EF4-FFF2-40B4-BE49-F238E27FC236}">
+                <a16:creationId xmlns:a16="http://schemas.microsoft.com/office/drawing/2014/main" id="{DAEFA932-7A90-E64B-FA5C-572844909AF1}"/>
+              </a:ext>
+            </a:extLst>
+          </p:cNvPr>
+          <p:cNvGrpSpPr/>
+          <p:nvPr/>
+        </p:nvGrpSpPr>
+        <p:grpSpPr>
+          <a:xfrm>
+            <a:off x="3471143" y="-107576"/>
+            <a:ext cx="4309316" cy="4309316"/>
+            <a:chOff x="4108543" y="0"/>
+            <a:chExt cx="4309316" cy="4309316"/>
+          </a:xfrm>
+        </p:grpSpPr>
+        <p:pic>
+          <p:nvPicPr>
+            <p:cNvPr id="15" name="Picture 14">
+              <a:extLst>
+                <a:ext uri="{FF2B5EF4-FFF2-40B4-BE49-F238E27FC236}">
+                  <a16:creationId xmlns:a16="http://schemas.microsoft.com/office/drawing/2014/main" id="{6BE7CD7C-A88C-2E60-A26C-3EC4BCB6D2CB}"/>
+                </a:ext>
+              </a:extLst>
+            </p:cNvPr>
+            <p:cNvPicPr>
+              <a:picLocks noChangeAspect="1"/>
+            </p:cNvPicPr>
+            <p:nvPr/>
+          </p:nvPicPr>
+          <p:blipFill>
+            <a:blip r:embed="rId5"/>
+            <a:stretch>
+              <a:fillRect/>
+            </a:stretch>
+          </p:blipFill>
+          <p:spPr>
+            <a:xfrm>
+              <a:off x="4108543" y="0"/>
+              <a:ext cx="4309316" cy="4309316"/>
+            </a:xfrm>
+            <a:prstGeom prst="rect">
+              <a:avLst/>
+            </a:prstGeom>
+          </p:spPr>
+        </p:pic>
+        <p:sp>
+          <p:nvSpPr>
+            <p:cNvPr id="16" name="Right Arrow 15">
+              <a:extLst>
+                <a:ext uri="{FF2B5EF4-FFF2-40B4-BE49-F238E27FC236}">
+                  <a16:creationId xmlns:a16="http://schemas.microsoft.com/office/drawing/2014/main" id="{21EAB9EF-3C9B-9913-4277-E09CA6AD909B}"/>
+                </a:ext>
+              </a:extLst>
+            </p:cNvPr>
+            <p:cNvSpPr/>
+            <p:nvPr/>
+          </p:nvSpPr>
+          <p:spPr>
+            <a:xfrm rot="16200000">
+              <a:off x="4528971" y="420676"/>
+              <a:ext cx="556013" cy="554920"/>
+            </a:xfrm>
+            <a:prstGeom prst="rightArrow">
+              <a:avLst/>
+            </a:prstGeom>
+            <a:solidFill>
+              <a:srgbClr val="7F0000"/>
+            </a:solidFill>
+          </p:spPr>
+          <p:style>
+            <a:lnRef idx="2">
+              <a:schemeClr val="accent1">
+                <a:shade val="15000"/>
+              </a:schemeClr>
+            </a:lnRef>
+            <a:fillRef idx="1">
+              <a:schemeClr val="accent1"/>
+            </a:fillRef>
+            <a:effectRef idx="0">
+              <a:schemeClr val="accent1"/>
+            </a:effectRef>
+            <a:fontRef idx="minor">
+              <a:schemeClr val="lt1"/>
+            </a:fontRef>
+          </p:style>
+          <p:txBody>
+            <a:bodyPr rtlCol="0" anchor="ctr"/>
+            <a:lstStyle/>
+            <a:p>
+              <a:pPr algn="ctr"/>
+              <a:endParaRPr lang="en-US" dirty="0"/>
+            </a:p>
+          </p:txBody>
+        </p:sp>
+        <p:sp>
+          <p:nvSpPr>
+            <p:cNvPr id="17" name="Right Arrow 16">
+              <a:extLst>
+                <a:ext uri="{FF2B5EF4-FFF2-40B4-BE49-F238E27FC236}">
+                  <a16:creationId xmlns:a16="http://schemas.microsoft.com/office/drawing/2014/main" id="{D6B0F39B-F0D9-CEDF-3626-5AFBA4D03E70}"/>
+                </a:ext>
+              </a:extLst>
+            </p:cNvPr>
+            <p:cNvSpPr/>
+            <p:nvPr/>
+          </p:nvSpPr>
+          <p:spPr>
+            <a:xfrm rot="5400000">
+              <a:off x="5471445" y="420675"/>
+              <a:ext cx="556013" cy="554920"/>
+            </a:xfrm>
+            <a:prstGeom prst="rightArrow">
+              <a:avLst/>
+            </a:prstGeom>
+            <a:solidFill>
+              <a:srgbClr val="01004C"/>
+            </a:solidFill>
+          </p:spPr>
+          <p:style>
+            <a:lnRef idx="2">
+              <a:schemeClr val="accent1">
+                <a:shade val="15000"/>
+              </a:schemeClr>
+            </a:lnRef>
+            <a:fillRef idx="1">
+              <a:schemeClr val="accent1"/>
+            </a:fillRef>
+            <a:effectRef idx="0">
+              <a:schemeClr val="accent1"/>
+            </a:effectRef>
+            <a:fontRef idx="minor">
+              <a:schemeClr val="lt1"/>
+            </a:fontRef>
+          </p:style>
+          <p:txBody>
+            <a:bodyPr rtlCol="0" anchor="ctr"/>
+            <a:lstStyle/>
+            <a:p>
+              <a:pPr algn="ctr"/>
+              <a:endParaRPr lang="en-US"/>
+            </a:p>
+          </p:txBody>
+        </p:sp>
+        <p:sp>
+          <p:nvSpPr>
+            <p:cNvPr id="18" name="Right Arrow 17">
+              <a:extLst>
+                <a:ext uri="{FF2B5EF4-FFF2-40B4-BE49-F238E27FC236}">
+                  <a16:creationId xmlns:a16="http://schemas.microsoft.com/office/drawing/2014/main" id="{B53CFCCD-94A8-CCF5-6714-D1B43EFA2DF3}"/>
+                </a:ext>
+              </a:extLst>
+            </p:cNvPr>
+            <p:cNvSpPr/>
+            <p:nvPr/>
+          </p:nvSpPr>
+          <p:spPr>
+            <a:xfrm rot="5400000">
+              <a:off x="6452764" y="420675"/>
+              <a:ext cx="556013" cy="554920"/>
+            </a:xfrm>
+            <a:prstGeom prst="rightArrow">
+              <a:avLst/>
+            </a:prstGeom>
+            <a:solidFill>
+              <a:srgbClr val="01004C"/>
+            </a:solidFill>
+          </p:spPr>
+          <p:style>
+            <a:lnRef idx="2">
+              <a:schemeClr val="accent1">
+                <a:shade val="15000"/>
+              </a:schemeClr>
+            </a:lnRef>
+            <a:fillRef idx="1">
+              <a:schemeClr val="accent1"/>
+            </a:fillRef>
+            <a:effectRef idx="0">
+              <a:schemeClr val="accent1"/>
+            </a:effectRef>
+            <a:fontRef idx="minor">
+              <a:schemeClr val="lt1"/>
+            </a:fontRef>
+          </p:style>
+          <p:txBody>
+            <a:bodyPr rtlCol="0" anchor="ctr"/>
+            <a:lstStyle/>
+            <a:p>
+              <a:pPr algn="ctr"/>
+              <a:endParaRPr lang="en-US"/>
+            </a:p>
+          </p:txBody>
+        </p:sp>
+        <p:sp>
+          <p:nvSpPr>
+            <p:cNvPr id="19" name="Right Arrow 18">
+              <a:extLst>
+                <a:ext uri="{FF2B5EF4-FFF2-40B4-BE49-F238E27FC236}">
+                  <a16:creationId xmlns:a16="http://schemas.microsoft.com/office/drawing/2014/main" id="{27580FD4-D406-E877-9087-9FB09C29F00F}"/>
+                </a:ext>
+              </a:extLst>
+            </p:cNvPr>
+            <p:cNvSpPr/>
+            <p:nvPr/>
+          </p:nvSpPr>
+          <p:spPr>
+            <a:xfrm rot="16200000">
+              <a:off x="7437417" y="396463"/>
+              <a:ext cx="556013" cy="554920"/>
+            </a:xfrm>
+            <a:prstGeom prst="rightArrow">
+              <a:avLst/>
+            </a:prstGeom>
+            <a:solidFill>
+              <a:srgbClr val="7F0000"/>
+            </a:solidFill>
+          </p:spPr>
+          <p:style>
+            <a:lnRef idx="2">
+              <a:schemeClr val="accent1">
+                <a:shade val="15000"/>
+              </a:schemeClr>
+            </a:lnRef>
+            <a:fillRef idx="1">
+              <a:schemeClr val="accent1"/>
+            </a:fillRef>
+            <a:effectRef idx="0">
+              <a:schemeClr val="accent1"/>
+            </a:effectRef>
+            <a:fontRef idx="minor">
+              <a:schemeClr val="lt1"/>
+            </a:fontRef>
+          </p:style>
+          <p:txBody>
+            <a:bodyPr rtlCol="0" anchor="ctr"/>
+            <a:lstStyle/>
+            <a:p>
+              <a:pPr algn="ctr"/>
+              <a:endParaRPr lang="en-US"/>
+            </a:p>
+          </p:txBody>
+        </p:sp>
+        <p:sp>
+          <p:nvSpPr>
+            <p:cNvPr id="20" name="Right Arrow 19">
+              <a:extLst>
+                <a:ext uri="{FF2B5EF4-FFF2-40B4-BE49-F238E27FC236}">
+                  <a16:creationId xmlns:a16="http://schemas.microsoft.com/office/drawing/2014/main" id="{A82B4720-BEA8-6F2B-831C-D53D6357EE26}"/>
+                </a:ext>
+              </a:extLst>
+            </p:cNvPr>
+            <p:cNvSpPr/>
+            <p:nvPr/>
+          </p:nvSpPr>
+          <p:spPr>
+            <a:xfrm rot="16200000">
+              <a:off x="4528971" y="1352596"/>
+              <a:ext cx="556013" cy="554920"/>
+            </a:xfrm>
+            <a:prstGeom prst="rightArrow">
+              <a:avLst/>
+            </a:prstGeom>
+            <a:solidFill>
+              <a:srgbClr val="7F0000"/>
+            </a:solidFill>
+          </p:spPr>
+          <p:style>
+            <a:lnRef idx="2">
+              <a:schemeClr val="accent1">
+                <a:shade val="15000"/>
+              </a:schemeClr>
+            </a:lnRef>
+            <a:fillRef idx="1">
+              <a:schemeClr val="accent1"/>
+            </a:fillRef>
+            <a:effectRef idx="0">
+              <a:schemeClr val="accent1"/>
+            </a:effectRef>
+            <a:fontRef idx="minor">
+              <a:schemeClr val="lt1"/>
+            </a:fontRef>
+          </p:style>
+          <p:txBody>
+            <a:bodyPr rtlCol="0" anchor="ctr"/>
+            <a:lstStyle/>
+            <a:p>
+              <a:pPr algn="ctr"/>
+              <a:endParaRPr lang="en-US"/>
+            </a:p>
+          </p:txBody>
+        </p:sp>
+        <p:sp>
+          <p:nvSpPr>
+            <p:cNvPr id="21" name="Right Arrow 20">
+              <a:extLst>
+                <a:ext uri="{FF2B5EF4-FFF2-40B4-BE49-F238E27FC236}">
+                  <a16:creationId xmlns:a16="http://schemas.microsoft.com/office/drawing/2014/main" id="{30A454BB-CD8F-8C1A-7926-AA655AB8CF47}"/>
+                </a:ext>
+              </a:extLst>
+            </p:cNvPr>
+            <p:cNvSpPr/>
+            <p:nvPr/>
+          </p:nvSpPr>
+          <p:spPr>
+            <a:xfrm rot="5400000">
+              <a:off x="4528970" y="2346636"/>
+              <a:ext cx="556013" cy="554920"/>
+            </a:xfrm>
+            <a:prstGeom prst="rightArrow">
+              <a:avLst/>
+            </a:prstGeom>
+            <a:solidFill>
+              <a:srgbClr val="01004C"/>
+            </a:solidFill>
+          </p:spPr>
+          <p:style>
+            <a:lnRef idx="2">
+              <a:schemeClr val="accent1">
+                <a:shade val="15000"/>
+              </a:schemeClr>
+            </a:lnRef>
+            <a:fillRef idx="1">
+              <a:schemeClr val="accent1"/>
+            </a:fillRef>
+            <a:effectRef idx="0">
+              <a:schemeClr val="accent1"/>
+            </a:effectRef>
+            <a:fontRef idx="minor">
+              <a:schemeClr val="lt1"/>
+            </a:fontRef>
+          </p:style>
+          <p:txBody>
+            <a:bodyPr rtlCol="0" anchor="ctr"/>
+            <a:lstStyle/>
+            <a:p>
+              <a:pPr algn="ctr"/>
+              <a:endParaRPr lang="en-US"/>
+            </a:p>
+          </p:txBody>
+        </p:sp>
+        <p:sp>
+          <p:nvSpPr>
+            <p:cNvPr id="22" name="Right Arrow 21">
+              <a:extLst>
+                <a:ext uri="{FF2B5EF4-FFF2-40B4-BE49-F238E27FC236}">
+                  <a16:creationId xmlns:a16="http://schemas.microsoft.com/office/drawing/2014/main" id="{EC7B1D5E-5B49-E483-ADBD-BA4E6E34FE57}"/>
+                </a:ext>
+              </a:extLst>
+            </p:cNvPr>
+            <p:cNvSpPr/>
+            <p:nvPr/>
+          </p:nvSpPr>
+          <p:spPr>
+            <a:xfrm rot="16200000">
+              <a:off x="4528970" y="3340675"/>
+              <a:ext cx="556013" cy="554920"/>
+            </a:xfrm>
+            <a:prstGeom prst="rightArrow">
+              <a:avLst/>
+            </a:prstGeom>
+            <a:solidFill>
+              <a:srgbClr val="7F0000"/>
+            </a:solidFill>
+          </p:spPr>
+          <p:style>
+            <a:lnRef idx="2">
+              <a:schemeClr val="accent1">
+                <a:shade val="15000"/>
+              </a:schemeClr>
+            </a:lnRef>
+            <a:fillRef idx="1">
+              <a:schemeClr val="accent1"/>
+            </a:fillRef>
+            <a:effectRef idx="0">
+              <a:schemeClr val="accent1"/>
+            </a:effectRef>
+            <a:fontRef idx="minor">
+              <a:schemeClr val="lt1"/>
+            </a:fontRef>
+          </p:style>
+          <p:txBody>
+            <a:bodyPr rtlCol="0" anchor="ctr"/>
+            <a:lstStyle/>
+            <a:p>
+              <a:pPr algn="ctr"/>
+              <a:endParaRPr lang="en-US"/>
+            </a:p>
+          </p:txBody>
+        </p:sp>
+        <p:sp>
+          <p:nvSpPr>
+            <p:cNvPr id="23" name="Right Arrow 22">
+              <a:extLst>
+                <a:ext uri="{FF2B5EF4-FFF2-40B4-BE49-F238E27FC236}">
+                  <a16:creationId xmlns:a16="http://schemas.microsoft.com/office/drawing/2014/main" id="{065873A1-089A-EE04-1E3F-53F03FB0B68F}"/>
+                </a:ext>
+              </a:extLst>
+            </p:cNvPr>
+            <p:cNvSpPr/>
+            <p:nvPr/>
+          </p:nvSpPr>
+          <p:spPr>
+            <a:xfrm rot="5400000">
+              <a:off x="5471337" y="1348166"/>
+              <a:ext cx="556013" cy="554920"/>
+            </a:xfrm>
+            <a:prstGeom prst="rightArrow">
+              <a:avLst/>
+            </a:prstGeom>
+            <a:solidFill>
+              <a:srgbClr val="01004C"/>
+            </a:solidFill>
+          </p:spPr>
+          <p:style>
+            <a:lnRef idx="2">
+              <a:schemeClr val="accent1">
+                <a:shade val="15000"/>
+              </a:schemeClr>
+            </a:lnRef>
+            <a:fillRef idx="1">
+              <a:schemeClr val="accent1"/>
+            </a:fillRef>
+            <a:effectRef idx="0">
+              <a:schemeClr val="accent1"/>
+            </a:effectRef>
+            <a:fontRef idx="minor">
+              <a:schemeClr val="lt1"/>
+            </a:fontRef>
+          </p:style>
+          <p:txBody>
+            <a:bodyPr rtlCol="0" anchor="ctr"/>
+            <a:lstStyle/>
+            <a:p>
+              <a:pPr algn="ctr"/>
+              <a:endParaRPr lang="en-US"/>
+            </a:p>
+          </p:txBody>
+        </p:sp>
+        <p:sp>
+          <p:nvSpPr>
+            <p:cNvPr id="24" name="Right Arrow 23">
+              <a:extLst>
+                <a:ext uri="{FF2B5EF4-FFF2-40B4-BE49-F238E27FC236}">
+                  <a16:creationId xmlns:a16="http://schemas.microsoft.com/office/drawing/2014/main" id="{D20CD877-59A3-38E0-568C-91920EE02C2D}"/>
+                </a:ext>
+              </a:extLst>
+            </p:cNvPr>
+            <p:cNvSpPr/>
+            <p:nvPr/>
+          </p:nvSpPr>
+          <p:spPr>
+            <a:xfrm rot="16200000">
+              <a:off x="6447232" y="1348165"/>
+              <a:ext cx="556013" cy="554920"/>
+            </a:xfrm>
+            <a:prstGeom prst="rightArrow">
+              <a:avLst/>
+            </a:prstGeom>
+            <a:solidFill>
+              <a:srgbClr val="7F0000"/>
+            </a:solidFill>
+          </p:spPr>
+          <p:style>
+            <a:lnRef idx="2">
+              <a:schemeClr val="accent1">
+                <a:shade val="15000"/>
+              </a:schemeClr>
+            </a:lnRef>
+            <a:fillRef idx="1">
+              <a:schemeClr val="accent1"/>
+            </a:fillRef>
+            <a:effectRef idx="0">
+              <a:schemeClr val="accent1"/>
+            </a:effectRef>
+            <a:fontRef idx="minor">
+              <a:schemeClr val="lt1"/>
+            </a:fontRef>
+          </p:style>
+          <p:txBody>
+            <a:bodyPr rtlCol="0" anchor="ctr"/>
+            <a:lstStyle/>
+            <a:p>
+              <a:pPr algn="ctr"/>
+              <a:endParaRPr lang="en-US"/>
+            </a:p>
+          </p:txBody>
+        </p:sp>
+        <p:sp>
+          <p:nvSpPr>
+            <p:cNvPr id="25" name="Right Arrow 24">
+              <a:extLst>
+                <a:ext uri="{FF2B5EF4-FFF2-40B4-BE49-F238E27FC236}">
+                  <a16:creationId xmlns:a16="http://schemas.microsoft.com/office/drawing/2014/main" id="{077D2823-BBF6-81C9-B47E-B35556C16197}"/>
+                </a:ext>
+              </a:extLst>
+            </p:cNvPr>
+            <p:cNvSpPr/>
+            <p:nvPr/>
+          </p:nvSpPr>
+          <p:spPr>
+            <a:xfrm rot="5400000">
+              <a:off x="7423127" y="1348166"/>
+              <a:ext cx="556013" cy="554920"/>
+            </a:xfrm>
+            <a:prstGeom prst="rightArrow">
+              <a:avLst/>
+            </a:prstGeom>
+            <a:solidFill>
+              <a:srgbClr val="01004C"/>
+            </a:solidFill>
+          </p:spPr>
+          <p:style>
+            <a:lnRef idx="2">
+              <a:schemeClr val="accent1">
+                <a:shade val="15000"/>
+              </a:schemeClr>
+            </a:lnRef>
+            <a:fillRef idx="1">
+              <a:schemeClr val="accent1"/>
+            </a:fillRef>
+            <a:effectRef idx="0">
+              <a:schemeClr val="accent1"/>
+            </a:effectRef>
+            <a:fontRef idx="minor">
+              <a:schemeClr val="lt1"/>
+            </a:fontRef>
+          </p:style>
+          <p:txBody>
+            <a:bodyPr rtlCol="0" anchor="ctr"/>
+            <a:lstStyle/>
+            <a:p>
+              <a:pPr algn="ctr"/>
+              <a:endParaRPr lang="en-US"/>
+            </a:p>
+          </p:txBody>
+        </p:sp>
+        <p:sp>
+          <p:nvSpPr>
+            <p:cNvPr id="26" name="Right Arrow 25">
+              <a:extLst>
+                <a:ext uri="{FF2B5EF4-FFF2-40B4-BE49-F238E27FC236}">
+                  <a16:creationId xmlns:a16="http://schemas.microsoft.com/office/drawing/2014/main" id="{BE80F779-ED4C-E17A-F455-D6F6AD898B64}"/>
+                </a:ext>
+              </a:extLst>
+            </p:cNvPr>
+            <p:cNvSpPr/>
+            <p:nvPr/>
+          </p:nvSpPr>
+          <p:spPr>
+            <a:xfrm rot="16200000">
+              <a:off x="5471337" y="2339078"/>
+              <a:ext cx="556013" cy="554920"/>
+            </a:xfrm>
+            <a:prstGeom prst="rightArrow">
+              <a:avLst/>
+            </a:prstGeom>
+            <a:solidFill>
+              <a:srgbClr val="7F0000"/>
+            </a:solidFill>
+          </p:spPr>
+          <p:style>
+            <a:lnRef idx="2">
+              <a:schemeClr val="accent1">
+                <a:shade val="15000"/>
+              </a:schemeClr>
+            </a:lnRef>
+            <a:fillRef idx="1">
+              <a:schemeClr val="accent1"/>
+            </a:fillRef>
+            <a:effectRef idx="0">
+              <a:schemeClr val="accent1"/>
+            </a:effectRef>
+            <a:fontRef idx="minor">
+              <a:schemeClr val="lt1"/>
+            </a:fontRef>
+          </p:style>
+          <p:txBody>
+            <a:bodyPr rtlCol="0" anchor="ctr"/>
+            <a:lstStyle/>
+            <a:p>
+              <a:pPr algn="ctr"/>
+              <a:endParaRPr lang="en-US"/>
+            </a:p>
+          </p:txBody>
+        </p:sp>
+        <p:sp>
+          <p:nvSpPr>
+            <p:cNvPr id="27" name="Right Arrow 26">
+              <a:extLst>
+                <a:ext uri="{FF2B5EF4-FFF2-40B4-BE49-F238E27FC236}">
+                  <a16:creationId xmlns:a16="http://schemas.microsoft.com/office/drawing/2014/main" id="{375AE4E2-4FD3-074E-577B-DB720E6C972D}"/>
+                </a:ext>
+              </a:extLst>
+            </p:cNvPr>
+            <p:cNvSpPr/>
+            <p:nvPr/>
+          </p:nvSpPr>
+          <p:spPr>
+            <a:xfrm rot="5400000">
+              <a:off x="6447233" y="2339077"/>
+              <a:ext cx="556013" cy="554920"/>
+            </a:xfrm>
+            <a:prstGeom prst="rightArrow">
+              <a:avLst/>
+            </a:prstGeom>
+            <a:solidFill>
+              <a:srgbClr val="01004C"/>
+            </a:solidFill>
+          </p:spPr>
+          <p:style>
+            <a:lnRef idx="2">
+              <a:schemeClr val="accent1">
+                <a:shade val="15000"/>
+              </a:schemeClr>
+            </a:lnRef>
+            <a:fillRef idx="1">
+              <a:schemeClr val="accent1"/>
+            </a:fillRef>
+            <a:effectRef idx="0">
+              <a:schemeClr val="accent1"/>
+            </a:effectRef>
+            <a:fontRef idx="minor">
+              <a:schemeClr val="lt1"/>
+            </a:fontRef>
+          </p:style>
+          <p:txBody>
+            <a:bodyPr rtlCol="0" anchor="ctr"/>
+            <a:lstStyle/>
+            <a:p>
+              <a:pPr algn="ctr"/>
+              <a:endParaRPr lang="en-US"/>
+            </a:p>
+          </p:txBody>
+        </p:sp>
+        <p:sp>
+          <p:nvSpPr>
+            <p:cNvPr id="28" name="Right Arrow 27">
+              <a:extLst>
+                <a:ext uri="{FF2B5EF4-FFF2-40B4-BE49-F238E27FC236}">
+                  <a16:creationId xmlns:a16="http://schemas.microsoft.com/office/drawing/2014/main" id="{E6ACAEF5-515C-77D7-AE95-DD945F91A752}"/>
+                </a:ext>
+              </a:extLst>
+            </p:cNvPr>
+            <p:cNvSpPr/>
+            <p:nvPr/>
+          </p:nvSpPr>
+          <p:spPr>
+            <a:xfrm rot="5400000">
+              <a:off x="7423127" y="2339078"/>
+              <a:ext cx="556013" cy="554920"/>
+            </a:xfrm>
+            <a:prstGeom prst="rightArrow">
+              <a:avLst/>
+            </a:prstGeom>
+            <a:solidFill>
+              <a:srgbClr val="01004C"/>
+            </a:solidFill>
+          </p:spPr>
+          <p:style>
+            <a:lnRef idx="2">
+              <a:schemeClr val="accent1">
+                <a:shade val="15000"/>
+              </a:schemeClr>
+            </a:lnRef>
+            <a:fillRef idx="1">
+              <a:schemeClr val="accent1"/>
+            </a:fillRef>
+            <a:effectRef idx="0">
+              <a:schemeClr val="accent1"/>
+            </a:effectRef>
+            <a:fontRef idx="minor">
+              <a:schemeClr val="lt1"/>
+            </a:fontRef>
+          </p:style>
+          <p:txBody>
+            <a:bodyPr rtlCol="0" anchor="ctr"/>
+            <a:lstStyle/>
+            <a:p>
+              <a:pPr algn="ctr"/>
+              <a:endParaRPr lang="en-US"/>
+            </a:p>
+          </p:txBody>
+        </p:sp>
+        <p:sp>
+          <p:nvSpPr>
+            <p:cNvPr id="29" name="Right Arrow 28">
+              <a:extLst>
+                <a:ext uri="{FF2B5EF4-FFF2-40B4-BE49-F238E27FC236}">
+                  <a16:creationId xmlns:a16="http://schemas.microsoft.com/office/drawing/2014/main" id="{8027D085-6672-9978-F629-2F7BCBC5D76A}"/>
+                </a:ext>
+              </a:extLst>
+            </p:cNvPr>
+            <p:cNvSpPr/>
+            <p:nvPr/>
+          </p:nvSpPr>
+          <p:spPr>
+            <a:xfrm rot="16200000">
+              <a:off x="7423127" y="3340675"/>
+              <a:ext cx="556013" cy="554920"/>
+            </a:xfrm>
+            <a:prstGeom prst="rightArrow">
+              <a:avLst/>
+            </a:prstGeom>
+            <a:solidFill>
+              <a:srgbClr val="7F0000"/>
+            </a:solidFill>
+          </p:spPr>
+          <p:style>
+            <a:lnRef idx="2">
+              <a:schemeClr val="accent1">
+                <a:shade val="15000"/>
+              </a:schemeClr>
+            </a:lnRef>
+            <a:fillRef idx="1">
+              <a:schemeClr val="accent1"/>
+            </a:fillRef>
+            <a:effectRef idx="0">
+              <a:schemeClr val="accent1"/>
+            </a:effectRef>
+            <a:fontRef idx="minor">
+              <a:schemeClr val="lt1"/>
+            </a:fontRef>
+          </p:style>
+          <p:txBody>
+            <a:bodyPr rtlCol="0" anchor="ctr"/>
+            <a:lstStyle/>
+            <a:p>
+              <a:pPr algn="ctr"/>
+              <a:endParaRPr lang="en-US"/>
+            </a:p>
+          </p:txBody>
+        </p:sp>
+        <p:sp>
+          <p:nvSpPr>
+            <p:cNvPr id="30" name="Right Arrow 29">
+              <a:extLst>
+                <a:ext uri="{FF2B5EF4-FFF2-40B4-BE49-F238E27FC236}">
+                  <a16:creationId xmlns:a16="http://schemas.microsoft.com/office/drawing/2014/main" id="{C91DEB6F-C064-AFEC-1FA9-323D1644051D}"/>
+                </a:ext>
+              </a:extLst>
+            </p:cNvPr>
+            <p:cNvSpPr/>
+            <p:nvPr/>
+          </p:nvSpPr>
+          <p:spPr>
+            <a:xfrm rot="16200000">
+              <a:off x="6447232" y="3340675"/>
+              <a:ext cx="556013" cy="554920"/>
+            </a:xfrm>
+            <a:prstGeom prst="rightArrow">
+              <a:avLst/>
+            </a:prstGeom>
+            <a:solidFill>
+              <a:srgbClr val="7F0000"/>
+            </a:solidFill>
+          </p:spPr>
+          <p:style>
+            <a:lnRef idx="2">
+              <a:schemeClr val="accent1">
+                <a:shade val="15000"/>
+              </a:schemeClr>
+            </a:lnRef>
+            <a:fillRef idx="1">
+              <a:schemeClr val="accent1"/>
+            </a:fillRef>
+            <a:effectRef idx="0">
+              <a:schemeClr val="accent1"/>
+            </a:effectRef>
+            <a:fontRef idx="minor">
+              <a:schemeClr val="lt1"/>
+            </a:fontRef>
+          </p:style>
+          <p:txBody>
+            <a:bodyPr rtlCol="0" anchor="ctr"/>
+            <a:lstStyle/>
+            <a:p>
+              <a:pPr algn="ctr"/>
+              <a:endParaRPr lang="en-US"/>
+            </a:p>
+          </p:txBody>
+        </p:sp>
+        <p:sp>
+          <p:nvSpPr>
+            <p:cNvPr id="31" name="Right Arrow 30">
+              <a:extLst>
+                <a:ext uri="{FF2B5EF4-FFF2-40B4-BE49-F238E27FC236}">
+                  <a16:creationId xmlns:a16="http://schemas.microsoft.com/office/drawing/2014/main" id="{0A7CD09C-828F-DAF1-304C-1323F1844BBD}"/>
+                </a:ext>
+              </a:extLst>
+            </p:cNvPr>
+            <p:cNvSpPr/>
+            <p:nvPr/>
+          </p:nvSpPr>
+          <p:spPr>
+            <a:xfrm rot="5400000">
+              <a:off x="5471337" y="3344636"/>
+              <a:ext cx="556013" cy="554920"/>
+            </a:xfrm>
+            <a:prstGeom prst="rightArrow">
+              <a:avLst/>
+            </a:prstGeom>
+            <a:solidFill>
+              <a:srgbClr val="01004C"/>
+            </a:solidFill>
+          </p:spPr>
+          <p:style>
+            <a:lnRef idx="2">
+              <a:schemeClr val="accent1">
+                <a:shade val="15000"/>
+              </a:schemeClr>
+            </a:lnRef>
+            <a:fillRef idx="1">
+              <a:schemeClr val="accent1"/>
+            </a:fillRef>
+            <a:effectRef idx="0">
+              <a:schemeClr val="accent1"/>
+            </a:effectRef>
+            <a:fontRef idx="minor">
+              <a:schemeClr val="lt1"/>
+            </a:fontRef>
+          </p:style>
+          <p:txBody>
+            <a:bodyPr rtlCol="0" anchor="ctr"/>
+            <a:lstStyle/>
+            <a:p>
+              <a:pPr algn="ctr"/>
+              <a:endParaRPr lang="en-US"/>
+            </a:p>
+          </p:txBody>
+        </p:sp>
+      </p:grpSp>
+      <p:sp>
+        <p:nvSpPr>
+          <p:cNvPr id="33" name="Right Brace 32">
+            <a:extLst>
+              <a:ext uri="{FF2B5EF4-FFF2-40B4-BE49-F238E27FC236}">
+                <a16:creationId xmlns:a16="http://schemas.microsoft.com/office/drawing/2014/main" id="{E52718D1-C4E2-384D-9875-C205AD277872}"/>
+              </a:ext>
+            </a:extLst>
+          </p:cNvPr>
+          <p:cNvSpPr/>
+          <p:nvPr/>
+        </p:nvSpPr>
+        <p:spPr>
+          <a:xfrm>
+            <a:off x="7710677" y="596479"/>
+            <a:ext cx="410871" cy="947204"/>
+          </a:xfrm>
+          <a:prstGeom prst="rightBrace">
+            <a:avLst/>
+          </a:prstGeom>
+          <a:noFill/>
+          <a:ln>
+            <a:solidFill>
+              <a:schemeClr val="tx1"/>
+            </a:solidFill>
+          </a:ln>
+        </p:spPr>
+        <p:style>
+          <a:lnRef idx="2">
+            <a:schemeClr val="accent1"/>
+          </a:lnRef>
+          <a:fillRef idx="0">
+            <a:schemeClr val="accent1"/>
+          </a:fillRef>
+          <a:effectRef idx="1">
+            <a:schemeClr val="accent1"/>
+          </a:effectRef>
+          <a:fontRef idx="minor">
+            <a:schemeClr val="tx1"/>
+          </a:fontRef>
+        </p:style>
+        <p:txBody>
+          <a:bodyPr rtlCol="0" anchor="ctr"/>
+          <a:lstStyle/>
+          <a:p>
+            <a:pPr algn="ctr"/>
+            <a:endParaRPr lang="en-US"/>
+          </a:p>
+        </p:txBody>
+      </p:sp>
+      <p:sp>
+        <p:nvSpPr>
+          <p:cNvPr id="34" name="Right Bracket 33">
+            <a:extLst>
+              <a:ext uri="{FF2B5EF4-FFF2-40B4-BE49-F238E27FC236}">
+                <a16:creationId xmlns:a16="http://schemas.microsoft.com/office/drawing/2014/main" id="{B6A036C2-3CA4-1DB7-6D63-2C687C82F059}"/>
+              </a:ext>
+            </a:extLst>
+          </p:cNvPr>
+          <p:cNvSpPr/>
+          <p:nvPr/>
+        </p:nvSpPr>
+        <p:spPr>
+          <a:xfrm>
+            <a:off x="7710677" y="2047082"/>
+            <a:ext cx="205435" cy="922029"/>
+          </a:xfrm>
+          <a:prstGeom prst="rightBracket">
+            <a:avLst/>
+          </a:prstGeom>
+          <a:noFill/>
+          <a:ln>
+            <a:solidFill>
+              <a:schemeClr val="tx1"/>
+            </a:solidFill>
+          </a:ln>
+        </p:spPr>
+        <p:style>
+          <a:lnRef idx="2">
+            <a:schemeClr val="accent1"/>
+          </a:lnRef>
+          <a:fillRef idx="0">
+            <a:schemeClr val="accent1"/>
+          </a:fillRef>
+          <a:effectRef idx="1">
+            <a:schemeClr val="accent1"/>
+          </a:effectRef>
+          <a:fontRef idx="minor">
+            <a:schemeClr val="tx1"/>
+          </a:fontRef>
+        </p:style>
+        <p:txBody>
+          <a:bodyPr rtlCol="0" anchor="ctr"/>
+          <a:lstStyle/>
+          <a:p>
+            <a:pPr algn="ctr"/>
+            <a:endParaRPr lang="en-US"/>
+          </a:p>
+        </p:txBody>
+      </p:sp>
+      <p:cxnSp>
+        <p:nvCxnSpPr>
+          <p:cNvPr id="36" name="Straight Arrow Connector 35">
+            <a:extLst>
+              <a:ext uri="{FF2B5EF4-FFF2-40B4-BE49-F238E27FC236}">
+                <a16:creationId xmlns:a16="http://schemas.microsoft.com/office/drawing/2014/main" id="{73B9356D-69CA-6BC9-5204-6D2795CDE77E}"/>
+              </a:ext>
+            </a:extLst>
+          </p:cNvPr>
+          <p:cNvCxnSpPr/>
+          <p:nvPr/>
+        </p:nvCxnSpPr>
+        <p:spPr>
+          <a:xfrm flipV="1">
+            <a:off x="3471143" y="441826"/>
+            <a:ext cx="0" cy="3346740"/>
+          </a:xfrm>
+          <a:prstGeom prst="straightConnector1">
+            <a:avLst/>
+          </a:prstGeom>
+          <a:ln w="34925">
+            <a:solidFill>
+              <a:schemeClr val="tx1"/>
+            </a:solidFill>
+            <a:tailEnd type="triangle"/>
+          </a:ln>
+        </p:spPr>
+        <p:style>
+          <a:lnRef idx="2">
+            <a:schemeClr val="accent1"/>
+          </a:lnRef>
+          <a:fillRef idx="0">
+            <a:schemeClr val="accent1"/>
+          </a:fillRef>
+          <a:effectRef idx="1">
+            <a:schemeClr val="accent1"/>
+          </a:effectRef>
+          <a:fontRef idx="minor">
+            <a:schemeClr val="tx1"/>
+          </a:fontRef>
+        </p:style>
+      </p:cxnSp>
+      <p:sp>
+        <p:nvSpPr>
+          <p:cNvPr id="37" name="Right Brace 36">
+            <a:extLst>
+              <a:ext uri="{FF2B5EF4-FFF2-40B4-BE49-F238E27FC236}">
+                <a16:creationId xmlns:a16="http://schemas.microsoft.com/office/drawing/2014/main" id="{71CC7EF1-D709-880E-3056-E69B7B0780FC}"/>
+              </a:ext>
+            </a:extLst>
+          </p:cNvPr>
+          <p:cNvSpPr/>
+          <p:nvPr/>
+        </p:nvSpPr>
+        <p:spPr>
+          <a:xfrm>
+            <a:off x="8843839" y="83811"/>
+            <a:ext cx="408790" cy="3926541"/>
+          </a:xfrm>
+          <a:prstGeom prst="rightBrace">
+            <a:avLst/>
+          </a:prstGeom>
+          <a:ln>
+            <a:solidFill>
+              <a:schemeClr val="tx1"/>
+            </a:solidFill>
+          </a:ln>
+        </p:spPr>
+        <p:style>
+          <a:lnRef idx="2">
+            <a:schemeClr val="accent1"/>
+          </a:lnRef>
+          <a:fillRef idx="0">
+            <a:schemeClr val="accent1"/>
+          </a:fillRef>
+          <a:effectRef idx="1">
+            <a:schemeClr val="accent1"/>
+          </a:effectRef>
+          <a:fontRef idx="minor">
+            <a:schemeClr val="tx1"/>
+          </a:fontRef>
+        </p:style>
+        <p:txBody>
+          <a:bodyPr rtlCol="0" anchor="ctr"/>
+          <a:lstStyle/>
+          <a:p>
+            <a:pPr algn="ctr"/>
+            <a:endParaRPr lang="en-US"/>
+          </a:p>
+        </p:txBody>
+      </p:sp>
+      <p:sp>
+        <p:nvSpPr>
+          <p:cNvPr id="38" name="TextBox 37">
+            <a:extLst>
+              <a:ext uri="{FF2B5EF4-FFF2-40B4-BE49-F238E27FC236}">
+                <a16:creationId xmlns:a16="http://schemas.microsoft.com/office/drawing/2014/main" id="{4A4422EC-FBF5-42BD-A7B2-1ACD6116E2DE}"/>
+              </a:ext>
+            </a:extLst>
+          </p:cNvPr>
+          <p:cNvSpPr txBox="1"/>
+          <p:nvPr/>
+        </p:nvSpPr>
+        <p:spPr>
+          <a:xfrm>
+            <a:off x="8068191" y="818716"/>
+            <a:ext cx="1015231" cy="892552"/>
+          </a:xfrm>
+          <a:prstGeom prst="rect">
+            <a:avLst/>
+          </a:prstGeom>
+          <a:noFill/>
+        </p:spPr>
+        <p:txBody>
+          <a:bodyPr wrap="square" rtlCol="0">
+            <a:spAutoFit/>
+          </a:bodyPr>
+          <a:lstStyle/>
+          <a:p>
+            <a:r>
+              <a:rPr lang="en-US" sz="2400" dirty="0">
+                <a:latin typeface="Times New Roman" panose="02020603050405020304" pitchFamily="18" charset="0"/>
+                <a:cs typeface="Times New Roman" panose="02020603050405020304" pitchFamily="18" charset="0"/>
+              </a:rPr>
+              <a:t>J</a:t>
+            </a:r>
+            <a:r>
+              <a:rPr lang="en-US" dirty="0">
+                <a:latin typeface="Times New Roman" panose="02020603050405020304" pitchFamily="18" charset="0"/>
+                <a:cs typeface="Times New Roman" panose="02020603050405020304" pitchFamily="18" charset="0"/>
+              </a:rPr>
+              <a:t> </a:t>
+            </a:r>
+            <a:r>
+              <a:rPr lang="en-US" sz="1400" dirty="0">
+                <a:latin typeface="Times New Roman" panose="02020603050405020304" pitchFamily="18" charset="0"/>
+                <a:cs typeface="Times New Roman" panose="02020603050405020304" pitchFamily="18" charset="0"/>
+              </a:rPr>
+              <a:t>correlation matrix</a:t>
+            </a:r>
+            <a:endParaRPr lang="en-US" dirty="0">
+              <a:latin typeface="Times New Roman" panose="02020603050405020304" pitchFamily="18" charset="0"/>
+              <a:cs typeface="Times New Roman" panose="02020603050405020304" pitchFamily="18" charset="0"/>
+            </a:endParaRPr>
+          </a:p>
+        </p:txBody>
+      </p:sp>
+      <p:cxnSp>
+        <p:nvCxnSpPr>
+          <p:cNvPr id="42" name="Straight Connector 41">
+            <a:extLst>
+              <a:ext uri="{FF2B5EF4-FFF2-40B4-BE49-F238E27FC236}">
+                <a16:creationId xmlns:a16="http://schemas.microsoft.com/office/drawing/2014/main" id="{8E580C21-7AAF-6DD8-39AC-646BC3B99200}"/>
+              </a:ext>
+            </a:extLst>
+          </p:cNvPr>
+          <p:cNvCxnSpPr>
+            <a:stCxn id="34" idx="2"/>
+          </p:cNvCxnSpPr>
+          <p:nvPr/>
+        </p:nvCxnSpPr>
+        <p:spPr>
+          <a:xfrm flipV="1">
+            <a:off x="7916112" y="2508096"/>
+            <a:ext cx="152079" cy="1"/>
+          </a:xfrm>
+          <a:prstGeom prst="line">
+            <a:avLst/>
+          </a:prstGeom>
+          <a:ln>
+            <a:solidFill>
+              <a:schemeClr val="tx1"/>
+            </a:solidFill>
+          </a:ln>
+        </p:spPr>
+        <p:style>
+          <a:lnRef idx="2">
+            <a:schemeClr val="accent1"/>
+          </a:lnRef>
+          <a:fillRef idx="0">
+            <a:schemeClr val="accent1"/>
+          </a:fillRef>
+          <a:effectRef idx="1">
+            <a:schemeClr val="accent1"/>
+          </a:effectRef>
+          <a:fontRef idx="minor">
+            <a:schemeClr val="tx1"/>
+          </a:fontRef>
+        </p:style>
+      </p:cxnSp>
+      <p:sp>
+        <p:nvSpPr>
+          <p:cNvPr id="43" name="TextBox 42">
+            <a:extLst>
+              <a:ext uri="{FF2B5EF4-FFF2-40B4-BE49-F238E27FC236}">
+                <a16:creationId xmlns:a16="http://schemas.microsoft.com/office/drawing/2014/main" id="{0BE01AA2-2EB1-5FCC-08DF-922A83C287E5}"/>
+              </a:ext>
+            </a:extLst>
+          </p:cNvPr>
+          <p:cNvSpPr txBox="1"/>
+          <p:nvPr/>
+        </p:nvSpPr>
+        <p:spPr>
+          <a:xfrm>
+            <a:off x="8068191" y="2237080"/>
+            <a:ext cx="1015231" cy="892552"/>
+          </a:xfrm>
+          <a:prstGeom prst="rect">
+            <a:avLst/>
+          </a:prstGeom>
+          <a:noFill/>
+        </p:spPr>
+        <p:txBody>
+          <a:bodyPr wrap="square" rtlCol="0">
+            <a:spAutoFit/>
+          </a:bodyPr>
+          <a:lstStyle/>
+          <a:p>
+            <a:r>
+              <a:rPr lang="en-US" sz="2400" dirty="0">
+                <a:latin typeface="Times New Roman" panose="02020603050405020304" pitchFamily="18" charset="0"/>
+                <a:cs typeface="Times New Roman" panose="02020603050405020304" pitchFamily="18" charset="0"/>
+              </a:rPr>
+              <a:t>a</a:t>
+            </a:r>
+            <a:endParaRPr lang="en-US" sz="1400" dirty="0">
+              <a:latin typeface="Times New Roman" panose="02020603050405020304" pitchFamily="18" charset="0"/>
+              <a:cs typeface="Times New Roman" panose="02020603050405020304" pitchFamily="18" charset="0"/>
+            </a:endParaRPr>
+          </a:p>
+          <a:p>
+            <a:r>
+              <a:rPr lang="en-US" sz="1400" dirty="0">
+                <a:latin typeface="Times New Roman" panose="02020603050405020304" pitchFamily="18" charset="0"/>
+                <a:cs typeface="Times New Roman" panose="02020603050405020304" pitchFamily="18" charset="0"/>
+              </a:rPr>
+              <a:t>lattice constant </a:t>
+            </a:r>
+            <a:endParaRPr lang="en-US" dirty="0">
+              <a:latin typeface="Times New Roman" panose="02020603050405020304" pitchFamily="18" charset="0"/>
+              <a:cs typeface="Times New Roman" panose="02020603050405020304" pitchFamily="18" charset="0"/>
+            </a:endParaRPr>
+          </a:p>
+        </p:txBody>
+      </p:sp>
+      <p:sp>
+        <p:nvSpPr>
+          <p:cNvPr id="44" name="TextBox 43">
+            <a:extLst>
+              <a:ext uri="{FF2B5EF4-FFF2-40B4-BE49-F238E27FC236}">
+                <a16:creationId xmlns:a16="http://schemas.microsoft.com/office/drawing/2014/main" id="{0FD81B06-D6DC-AD99-D937-137451E2DBC7}"/>
+              </a:ext>
+            </a:extLst>
+          </p:cNvPr>
+          <p:cNvSpPr txBox="1"/>
+          <p:nvPr/>
+        </p:nvSpPr>
+        <p:spPr>
+          <a:xfrm rot="16200000">
+            <a:off x="2124227" y="1708226"/>
+            <a:ext cx="2111593" cy="461665"/>
+          </a:xfrm>
+          <a:prstGeom prst="rect">
+            <a:avLst/>
+          </a:prstGeom>
+          <a:noFill/>
+        </p:spPr>
+        <p:txBody>
+          <a:bodyPr wrap="square" rtlCol="0">
+            <a:spAutoFit/>
+          </a:bodyPr>
+          <a:lstStyle/>
+          <a:p>
+            <a:r>
+              <a:rPr lang="en-US" sz="2400" dirty="0">
+                <a:latin typeface="Times New Roman" panose="02020603050405020304" pitchFamily="18" charset="0"/>
+                <a:cs typeface="Times New Roman" panose="02020603050405020304" pitchFamily="18" charset="0"/>
+              </a:rPr>
+              <a:t>B</a:t>
+            </a:r>
+            <a:r>
+              <a:rPr lang="en-US" dirty="0">
+                <a:latin typeface="Times New Roman" panose="02020603050405020304" pitchFamily="18" charset="0"/>
+                <a:cs typeface="Times New Roman" panose="02020603050405020304" pitchFamily="18" charset="0"/>
+              </a:rPr>
+              <a:t> (</a:t>
+            </a:r>
+            <a:r>
+              <a:rPr lang="en-US" sz="1600" dirty="0">
+                <a:latin typeface="Times New Roman" panose="02020603050405020304" pitchFamily="18" charset="0"/>
+                <a:cs typeface="Times New Roman" panose="02020603050405020304" pitchFamily="18" charset="0"/>
+              </a:rPr>
+              <a:t>magnetic field</a:t>
+            </a:r>
+            <a:r>
+              <a:rPr lang="en-US" sz="1400" dirty="0">
+                <a:latin typeface="Times New Roman" panose="02020603050405020304" pitchFamily="18" charset="0"/>
+                <a:cs typeface="Times New Roman" panose="02020603050405020304" pitchFamily="18" charset="0"/>
+              </a:rPr>
+              <a:t>)</a:t>
+            </a:r>
+            <a:endParaRPr lang="en-US" dirty="0">
+              <a:latin typeface="Times New Roman" panose="02020603050405020304" pitchFamily="18" charset="0"/>
+              <a:cs typeface="Times New Roman" panose="02020603050405020304" pitchFamily="18" charset="0"/>
+            </a:endParaRPr>
+          </a:p>
+        </p:txBody>
+      </p:sp>
+      <p:sp>
+        <p:nvSpPr>
+          <p:cNvPr id="45" name="TextBox 44">
+            <a:extLst>
+              <a:ext uri="{FF2B5EF4-FFF2-40B4-BE49-F238E27FC236}">
+                <a16:creationId xmlns:a16="http://schemas.microsoft.com/office/drawing/2014/main" id="{D53F221D-73C9-F86D-1FD0-2FC633F7E0AA}"/>
+              </a:ext>
+            </a:extLst>
+          </p:cNvPr>
+          <p:cNvSpPr txBox="1"/>
+          <p:nvPr/>
+        </p:nvSpPr>
+        <p:spPr>
+          <a:xfrm>
+            <a:off x="9252630" y="1796056"/>
+            <a:ext cx="775648" cy="892552"/>
+          </a:xfrm>
+          <a:prstGeom prst="rect">
+            <a:avLst/>
+          </a:prstGeom>
+          <a:noFill/>
+        </p:spPr>
+        <p:txBody>
+          <a:bodyPr wrap="square" rtlCol="0">
+            <a:spAutoFit/>
+          </a:bodyPr>
+          <a:lstStyle/>
+          <a:p>
+            <a:r>
+              <a:rPr lang="en-US" sz="2400" dirty="0">
+                <a:latin typeface="Times New Roman" panose="02020603050405020304" pitchFamily="18" charset="0"/>
+                <a:cs typeface="Times New Roman" panose="02020603050405020304" pitchFamily="18" charset="0"/>
+              </a:rPr>
+              <a:t>N</a:t>
+            </a:r>
+            <a:endParaRPr lang="en-US" sz="1400" dirty="0">
+              <a:latin typeface="Times New Roman" panose="02020603050405020304" pitchFamily="18" charset="0"/>
+              <a:cs typeface="Times New Roman" panose="02020603050405020304" pitchFamily="18" charset="0"/>
+            </a:endParaRPr>
+          </a:p>
+          <a:p>
+            <a:r>
+              <a:rPr lang="en-US" sz="1400" dirty="0">
+                <a:latin typeface="Times New Roman" panose="02020603050405020304" pitchFamily="18" charset="0"/>
+                <a:cs typeface="Times New Roman" panose="02020603050405020304" pitchFamily="18" charset="0"/>
+              </a:rPr>
+              <a:t>lattice size </a:t>
+            </a:r>
+            <a:endParaRPr lang="en-US" dirty="0">
+              <a:latin typeface="Times New Roman" panose="02020603050405020304" pitchFamily="18" charset="0"/>
+              <a:cs typeface="Times New Roman" panose="02020603050405020304" pitchFamily="18" charset="0"/>
+            </a:endParaRPr>
+          </a:p>
+        </p:txBody>
+      </p:sp>
+      <p:sp>
+        <p:nvSpPr>
+          <p:cNvPr id="46" name="Quad Arrow 45">
+            <a:extLst>
+              <a:ext uri="{FF2B5EF4-FFF2-40B4-BE49-F238E27FC236}">
+                <a16:creationId xmlns:a16="http://schemas.microsoft.com/office/drawing/2014/main" id="{863E1F98-2972-4579-D1FD-BF8654525048}"/>
+              </a:ext>
+            </a:extLst>
+          </p:cNvPr>
+          <p:cNvSpPr/>
+          <p:nvPr/>
+        </p:nvSpPr>
+        <p:spPr>
+          <a:xfrm>
+            <a:off x="4473478" y="886391"/>
+            <a:ext cx="1276932" cy="1236326"/>
+          </a:xfrm>
+          <a:prstGeom prst="quadArrow">
+            <a:avLst>
+              <a:gd name="adj1" fmla="val 6838"/>
+              <a:gd name="adj2" fmla="val 8578"/>
+              <a:gd name="adj3" fmla="val 13799"/>
+            </a:avLst>
+          </a:prstGeom>
+          <a:solidFill>
+            <a:srgbClr val="00B050">
+              <a:alpha val="89817"/>
+            </a:srgbClr>
+          </a:solidFill>
+          <a:ln>
+            <a:noFill/>
+          </a:ln>
+        </p:spPr>
+        <p:style>
+          <a:lnRef idx="2">
+            <a:schemeClr val="accent1">
+              <a:shade val="15000"/>
+            </a:schemeClr>
+          </a:lnRef>
+          <a:fillRef idx="1">
+            <a:schemeClr val="accent1"/>
+          </a:fillRef>
+          <a:effectRef idx="0">
+            <a:schemeClr val="accent1"/>
+          </a:effectRef>
+          <a:fontRef idx="minor">
+            <a:schemeClr val="lt1"/>
+          </a:fontRef>
+        </p:style>
+        <p:txBody>
+          <a:bodyPr rtlCol="0" anchor="ctr"/>
+          <a:lstStyle/>
+          <a:p>
+            <a:pPr algn="ctr"/>
+            <a:endParaRPr lang="en-US"/>
+          </a:p>
+        </p:txBody>
+      </p:sp>
+      <mc:AlternateContent xmlns:mc="http://schemas.openxmlformats.org/markup-compatibility/2006">
+        <mc:Choice xmlns:a14="http://schemas.microsoft.com/office/drawing/2010/main" Requires="a14">
+          <p:sp>
+            <p:nvSpPr>
+              <p:cNvPr id="47" name="TextBox 46">
+                <a:extLst>
+                  <a:ext uri="{FF2B5EF4-FFF2-40B4-BE49-F238E27FC236}">
+                    <a16:creationId xmlns:a16="http://schemas.microsoft.com/office/drawing/2014/main" id="{9A809F12-E33A-3019-D8CF-D2F0F40F9EB1}"/>
+                  </a:ext>
+                </a:extLst>
+              </p:cNvPr>
+              <p:cNvSpPr txBox="1"/>
+              <p:nvPr/>
+            </p:nvSpPr>
+            <p:spPr>
+              <a:xfrm>
+                <a:off x="3626778" y="4168195"/>
+                <a:ext cx="906974" cy="307777"/>
+              </a:xfrm>
+              <a:prstGeom prst="rect">
+                <a:avLst/>
+              </a:prstGeom>
+              <a:solidFill>
+                <a:schemeClr val="bg1"/>
+              </a:solidFill>
+            </p:spPr>
+            <p:txBody>
+              <a:bodyPr wrap="square" rtlCol="0">
+                <a:spAutoFit/>
+              </a:bodyPr>
+              <a:lstStyle/>
+              <a:p>
+                <a14:m>
+                  <m:oMathPara xmlns:m="http://schemas.openxmlformats.org/officeDocument/2006/math">
+                    <m:oMathParaPr>
+                      <m:jc m:val="centerGroup"/>
+                    </m:oMathParaPr>
+                    <m:oMath xmlns:m="http://schemas.openxmlformats.org/officeDocument/2006/math">
+                      <m:r>
+                        <a:rPr lang="en-CA" sz="1400" b="0" i="1" smtClean="0">
+                          <a:latin typeface="Cambria Math" panose="02040503050406030204" pitchFamily="18" charset="0"/>
+                          <a:cs typeface="Times New Roman" panose="02020603050405020304" pitchFamily="18" charset="0"/>
+                        </a:rPr>
+                        <m:t>𝑇</m:t>
+                      </m:r>
+                      <m:r>
+                        <a:rPr lang="en-CA" sz="1400" b="0" i="1" smtClean="0">
+                          <a:latin typeface="Cambria Math" panose="02040503050406030204" pitchFamily="18" charset="0"/>
+                          <a:cs typeface="Times New Roman" panose="02020603050405020304" pitchFamily="18" charset="0"/>
+                        </a:rPr>
+                        <m:t>≪</m:t>
+                      </m:r>
+                      <m:sSub>
+                        <m:sSubPr>
+                          <m:ctrlPr>
+                            <a:rPr lang="en-CA" sz="1400" b="0" i="1" smtClean="0">
+                              <a:latin typeface="Cambria Math" panose="02040503050406030204" pitchFamily="18" charset="0"/>
+                              <a:cs typeface="Times New Roman" panose="02020603050405020304" pitchFamily="18" charset="0"/>
+                            </a:rPr>
+                          </m:ctrlPr>
+                        </m:sSubPr>
+                        <m:e>
+                          <m:r>
+                            <a:rPr lang="en-CA" sz="1400" b="0" i="1" smtClean="0">
+                              <a:latin typeface="Cambria Math" panose="02040503050406030204" pitchFamily="18" charset="0"/>
+                              <a:cs typeface="Times New Roman" panose="02020603050405020304" pitchFamily="18" charset="0"/>
+                            </a:rPr>
+                            <m:t>𝑇</m:t>
+                          </m:r>
+                        </m:e>
+                        <m:sub>
+                          <m:r>
+                            <a:rPr lang="en-CA" sz="1400" b="0" i="1" smtClean="0">
+                              <a:latin typeface="Cambria Math" panose="02040503050406030204" pitchFamily="18" charset="0"/>
+                              <a:cs typeface="Times New Roman" panose="02020603050405020304" pitchFamily="18" charset="0"/>
+                            </a:rPr>
+                            <m:t>𝑐</m:t>
+                          </m:r>
+                        </m:sub>
+                      </m:sSub>
+                    </m:oMath>
+                  </m:oMathPara>
+                </a14:m>
+                <a:endParaRPr lang="en-US" sz="1400" dirty="0">
+                  <a:latin typeface="Times New Roman" panose="02020603050405020304" pitchFamily="18" charset="0"/>
+                  <a:cs typeface="Times New Roman" panose="02020603050405020304" pitchFamily="18" charset="0"/>
+                </a:endParaRPr>
+              </a:p>
+            </p:txBody>
+          </p:sp>
+        </mc:Choice>
+        <mc:Fallback>
+          <p:sp>
+            <p:nvSpPr>
+              <p:cNvPr id="47" name="TextBox 46">
+                <a:extLst>
+                  <a:ext uri="{FF2B5EF4-FFF2-40B4-BE49-F238E27FC236}">
+                    <a16:creationId xmlns:a16="http://schemas.microsoft.com/office/drawing/2014/main" id="{9A809F12-E33A-3019-D8CF-D2F0F40F9EB1}"/>
+                  </a:ext>
+                </a:extLst>
+              </p:cNvPr>
+              <p:cNvSpPr txBox="1">
+                <a:spLocks noRot="1" noChangeAspect="1" noMove="1" noResize="1" noEditPoints="1" noAdjustHandles="1" noChangeArrowheads="1" noChangeShapeType="1" noTextEdit="1"/>
+              </p:cNvSpPr>
+              <p:nvPr/>
+            </p:nvSpPr>
+            <p:spPr>
+              <a:xfrm>
+                <a:off x="3626778" y="4168195"/>
+                <a:ext cx="906974" cy="307777"/>
+              </a:xfrm>
+              <a:prstGeom prst="rect">
+                <a:avLst/>
+              </a:prstGeom>
+              <a:blipFill>
+                <a:blip r:embed="rId6"/>
+                <a:stretch>
+                  <a:fillRect/>
+                </a:stretch>
+              </a:blipFill>
+            </p:spPr>
+            <p:txBody>
+              <a:bodyPr/>
+              <a:lstStyle/>
+              <a:p>
+                <a:r>
+                  <a:rPr lang="en-US">
+                    <a:noFill/>
+                  </a:rPr>
+                  <a:t> </a:t>
+                </a:r>
+              </a:p>
+            </p:txBody>
+          </p:sp>
+        </mc:Fallback>
+      </mc:AlternateContent>
+      <mc:AlternateContent xmlns:mc="http://schemas.openxmlformats.org/markup-compatibility/2006">
+        <mc:Choice xmlns:a14="http://schemas.microsoft.com/office/drawing/2010/main" Requires="a14">
+          <p:sp>
+            <p:nvSpPr>
+              <p:cNvPr id="66" name="TextBox 65">
+                <a:extLst>
+                  <a:ext uri="{FF2B5EF4-FFF2-40B4-BE49-F238E27FC236}">
+                    <a16:creationId xmlns:a16="http://schemas.microsoft.com/office/drawing/2014/main" id="{1B4A1992-A626-6560-30A5-07DD2951F4CA}"/>
+                  </a:ext>
+                </a:extLst>
+              </p:cNvPr>
+              <p:cNvSpPr txBox="1"/>
+              <p:nvPr/>
+            </p:nvSpPr>
+            <p:spPr>
+              <a:xfrm>
+                <a:off x="5978383" y="4170066"/>
+                <a:ext cx="906974" cy="307777"/>
+              </a:xfrm>
+              <a:prstGeom prst="rect">
+                <a:avLst/>
+              </a:prstGeom>
+              <a:solidFill>
+                <a:schemeClr val="bg1"/>
+              </a:solidFill>
+            </p:spPr>
+            <p:txBody>
+              <a:bodyPr wrap="square" rtlCol="0">
+                <a:spAutoFit/>
+              </a:bodyPr>
+              <a:lstStyle/>
+              <a:p>
+                <a14:m>
+                  <m:oMathPara xmlns:m="http://schemas.openxmlformats.org/officeDocument/2006/math">
+                    <m:oMathParaPr>
+                      <m:jc m:val="centerGroup"/>
+                    </m:oMathParaPr>
+                    <m:oMath xmlns:m="http://schemas.openxmlformats.org/officeDocument/2006/math">
+                      <m:r>
+                        <a:rPr lang="en-CA" sz="1400" b="0" i="1" smtClean="0">
+                          <a:latin typeface="Cambria Math" panose="02040503050406030204" pitchFamily="18" charset="0"/>
+                          <a:cs typeface="Times New Roman" panose="02020603050405020304" pitchFamily="18" charset="0"/>
+                        </a:rPr>
+                        <m:t>𝑇</m:t>
+                      </m:r>
+                      <m:r>
+                        <a:rPr lang="en-CA" sz="1400" b="0" i="1" smtClean="0">
+                          <a:latin typeface="Cambria Math" panose="02040503050406030204" pitchFamily="18" charset="0"/>
+                          <a:cs typeface="Times New Roman" panose="02020603050405020304" pitchFamily="18" charset="0"/>
+                        </a:rPr>
+                        <m:t>=</m:t>
+                      </m:r>
+                      <m:sSub>
+                        <m:sSubPr>
+                          <m:ctrlPr>
+                            <a:rPr lang="en-CA" sz="1400" b="0" i="1" smtClean="0">
+                              <a:latin typeface="Cambria Math" panose="02040503050406030204" pitchFamily="18" charset="0"/>
+                              <a:cs typeface="Times New Roman" panose="02020603050405020304" pitchFamily="18" charset="0"/>
+                            </a:rPr>
+                          </m:ctrlPr>
+                        </m:sSubPr>
+                        <m:e>
+                          <m:r>
+                            <a:rPr lang="en-CA" sz="1400" b="0" i="1" smtClean="0">
+                              <a:latin typeface="Cambria Math" panose="02040503050406030204" pitchFamily="18" charset="0"/>
+                              <a:cs typeface="Times New Roman" panose="02020603050405020304" pitchFamily="18" charset="0"/>
+                            </a:rPr>
+                            <m:t>𝑇</m:t>
+                          </m:r>
+                        </m:e>
+                        <m:sub>
+                          <m:r>
+                            <a:rPr lang="en-CA" sz="1400" b="0" i="1" smtClean="0">
+                              <a:latin typeface="Cambria Math" panose="02040503050406030204" pitchFamily="18" charset="0"/>
+                              <a:cs typeface="Times New Roman" panose="02020603050405020304" pitchFamily="18" charset="0"/>
+                            </a:rPr>
+                            <m:t>𝑐</m:t>
+                          </m:r>
+                        </m:sub>
+                      </m:sSub>
+                    </m:oMath>
+                  </m:oMathPara>
+                </a14:m>
+                <a:endParaRPr lang="en-US" sz="1400" dirty="0">
+                  <a:latin typeface="Times New Roman" panose="02020603050405020304" pitchFamily="18" charset="0"/>
+                  <a:cs typeface="Times New Roman" panose="02020603050405020304" pitchFamily="18" charset="0"/>
+                </a:endParaRPr>
+              </a:p>
+            </p:txBody>
+          </p:sp>
+        </mc:Choice>
+        <mc:Fallback>
+          <p:sp>
+            <p:nvSpPr>
+              <p:cNvPr id="66" name="TextBox 65">
+                <a:extLst>
+                  <a:ext uri="{FF2B5EF4-FFF2-40B4-BE49-F238E27FC236}">
+                    <a16:creationId xmlns:a16="http://schemas.microsoft.com/office/drawing/2014/main" id="{1B4A1992-A626-6560-30A5-07DD2951F4CA}"/>
+                  </a:ext>
+                </a:extLst>
+              </p:cNvPr>
+              <p:cNvSpPr txBox="1">
+                <a:spLocks noRot="1" noChangeAspect="1" noMove="1" noResize="1" noEditPoints="1" noAdjustHandles="1" noChangeArrowheads="1" noChangeShapeType="1" noTextEdit="1"/>
+              </p:cNvSpPr>
+              <p:nvPr/>
+            </p:nvSpPr>
+            <p:spPr>
+              <a:xfrm>
+                <a:off x="5978383" y="4170066"/>
+                <a:ext cx="906974" cy="307777"/>
+              </a:xfrm>
+              <a:prstGeom prst="rect">
+                <a:avLst/>
+              </a:prstGeom>
+              <a:blipFill>
+                <a:blip r:embed="rId7"/>
+                <a:stretch>
+                  <a:fillRect/>
+                </a:stretch>
+              </a:blipFill>
+            </p:spPr>
+            <p:txBody>
+              <a:bodyPr/>
+              <a:lstStyle/>
+              <a:p>
+                <a:r>
+                  <a:rPr lang="en-US">
+                    <a:noFill/>
+                  </a:rPr>
+                  <a:t> </a:t>
+                </a:r>
+              </a:p>
+            </p:txBody>
+          </p:sp>
+        </mc:Fallback>
+      </mc:AlternateContent>
+      <mc:AlternateContent xmlns:mc="http://schemas.openxmlformats.org/markup-compatibility/2006">
+        <mc:Choice xmlns:a14="http://schemas.microsoft.com/office/drawing/2010/main" Requires="a14">
+          <p:sp>
+            <p:nvSpPr>
+              <p:cNvPr id="67" name="TextBox 66">
+                <a:extLst>
+                  <a:ext uri="{FF2B5EF4-FFF2-40B4-BE49-F238E27FC236}">
+                    <a16:creationId xmlns:a16="http://schemas.microsoft.com/office/drawing/2014/main" id="{048461EC-B45A-AA22-CC21-5BC292C5BD38}"/>
+                  </a:ext>
+                </a:extLst>
+              </p:cNvPr>
+              <p:cNvSpPr txBox="1"/>
+              <p:nvPr/>
+            </p:nvSpPr>
+            <p:spPr>
+              <a:xfrm>
+                <a:off x="8457908" y="4171599"/>
+                <a:ext cx="906974" cy="307777"/>
+              </a:xfrm>
+              <a:prstGeom prst="rect">
+                <a:avLst/>
+              </a:prstGeom>
+              <a:solidFill>
+                <a:schemeClr val="bg1"/>
+              </a:solidFill>
+            </p:spPr>
+            <p:txBody>
+              <a:bodyPr wrap="square" rtlCol="0">
+                <a:spAutoFit/>
+              </a:bodyPr>
+              <a:lstStyle/>
+              <a:p>
+                <a14:m>
+                  <m:oMathPara xmlns:m="http://schemas.openxmlformats.org/officeDocument/2006/math">
+                    <m:oMathParaPr>
+                      <m:jc m:val="centerGroup"/>
+                    </m:oMathParaPr>
+                    <m:oMath xmlns:m="http://schemas.openxmlformats.org/officeDocument/2006/math">
+                      <m:r>
+                        <a:rPr lang="en-CA" sz="1400" b="0" i="1" smtClean="0">
+                          <a:latin typeface="Cambria Math" panose="02040503050406030204" pitchFamily="18" charset="0"/>
+                          <a:cs typeface="Times New Roman" panose="02020603050405020304" pitchFamily="18" charset="0"/>
+                        </a:rPr>
+                        <m:t>𝑇</m:t>
+                      </m:r>
+                      <m:r>
+                        <a:rPr lang="en-CA" sz="1400" b="0" i="1" smtClean="0">
+                          <a:latin typeface="Cambria Math" panose="02040503050406030204" pitchFamily="18" charset="0"/>
+                          <a:cs typeface="Times New Roman" panose="02020603050405020304" pitchFamily="18" charset="0"/>
+                        </a:rPr>
+                        <m:t>≫</m:t>
+                      </m:r>
+                      <m:sSub>
+                        <m:sSubPr>
+                          <m:ctrlPr>
+                            <a:rPr lang="en-CA" sz="1400" b="0" i="1" smtClean="0">
+                              <a:latin typeface="Cambria Math" panose="02040503050406030204" pitchFamily="18" charset="0"/>
+                              <a:cs typeface="Times New Roman" panose="02020603050405020304" pitchFamily="18" charset="0"/>
+                            </a:rPr>
+                          </m:ctrlPr>
+                        </m:sSubPr>
+                        <m:e>
+                          <m:r>
+                            <a:rPr lang="en-CA" sz="1400" b="0" i="1" smtClean="0">
+                              <a:latin typeface="Cambria Math" panose="02040503050406030204" pitchFamily="18" charset="0"/>
+                              <a:cs typeface="Times New Roman" panose="02020603050405020304" pitchFamily="18" charset="0"/>
+                            </a:rPr>
+                            <m:t>𝑇</m:t>
+                          </m:r>
+                        </m:e>
+                        <m:sub>
+                          <m:r>
+                            <a:rPr lang="en-CA" sz="1400" b="0" i="1" smtClean="0">
+                              <a:latin typeface="Cambria Math" panose="02040503050406030204" pitchFamily="18" charset="0"/>
+                              <a:cs typeface="Times New Roman" panose="02020603050405020304" pitchFamily="18" charset="0"/>
+                            </a:rPr>
+                            <m:t>𝑐</m:t>
+                          </m:r>
+                        </m:sub>
+                      </m:sSub>
+                    </m:oMath>
+                  </m:oMathPara>
+                </a14:m>
+                <a:endParaRPr lang="en-US" sz="1400" dirty="0">
+                  <a:latin typeface="Times New Roman" panose="02020603050405020304" pitchFamily="18" charset="0"/>
+                  <a:cs typeface="Times New Roman" panose="02020603050405020304" pitchFamily="18" charset="0"/>
+                </a:endParaRPr>
+              </a:p>
+            </p:txBody>
+          </p:sp>
+        </mc:Choice>
+        <mc:Fallback>
+          <p:sp>
+            <p:nvSpPr>
+              <p:cNvPr id="67" name="TextBox 66">
+                <a:extLst>
+                  <a:ext uri="{FF2B5EF4-FFF2-40B4-BE49-F238E27FC236}">
+                    <a16:creationId xmlns:a16="http://schemas.microsoft.com/office/drawing/2014/main" id="{048461EC-B45A-AA22-CC21-5BC292C5BD38}"/>
+                  </a:ext>
+                </a:extLst>
+              </p:cNvPr>
+              <p:cNvSpPr txBox="1">
+                <a:spLocks noRot="1" noChangeAspect="1" noMove="1" noResize="1" noEditPoints="1" noAdjustHandles="1" noChangeArrowheads="1" noChangeShapeType="1" noTextEdit="1"/>
+              </p:cNvSpPr>
+              <p:nvPr/>
+            </p:nvSpPr>
+            <p:spPr>
+              <a:xfrm>
+                <a:off x="8457908" y="4171599"/>
+                <a:ext cx="906974" cy="307777"/>
+              </a:xfrm>
+              <a:prstGeom prst="rect">
+                <a:avLst/>
+              </a:prstGeom>
+              <a:blipFill>
+                <a:blip r:embed="rId8"/>
+                <a:stretch>
+                  <a:fillRect/>
+                </a:stretch>
+              </a:blipFill>
+            </p:spPr>
+            <p:txBody>
+              <a:bodyPr/>
+              <a:lstStyle/>
+              <a:p>
+                <a:r>
+                  <a:rPr lang="en-US">
+                    <a:noFill/>
+                  </a:rPr>
+                  <a:t> </a:t>
+                </a:r>
+              </a:p>
+            </p:txBody>
+          </p:sp>
+        </mc:Fallback>
+      </mc:AlternateContent>
+      <p:sp>
+        <p:nvSpPr>
+          <p:cNvPr id="68" name="Rectangle 67">
+            <a:extLst>
+              <a:ext uri="{FF2B5EF4-FFF2-40B4-BE49-F238E27FC236}">
+                <a16:creationId xmlns:a16="http://schemas.microsoft.com/office/drawing/2014/main" id="{71409D6C-6EA6-07CF-98D7-862A3F03A87B}"/>
+              </a:ext>
+            </a:extLst>
+          </p:cNvPr>
+          <p:cNvSpPr/>
+          <p:nvPr/>
+        </p:nvSpPr>
+        <p:spPr>
+          <a:xfrm>
+            <a:off x="2819378" y="4252990"/>
+            <a:ext cx="97088" cy="2197468"/>
+          </a:xfrm>
+          <a:prstGeom prst="rect">
+            <a:avLst/>
+          </a:prstGeom>
+          <a:solidFill>
+            <a:schemeClr val="bg1"/>
+          </a:solidFill>
+          <a:ln>
+            <a:solidFill>
+              <a:schemeClr val="bg1"/>
+            </a:solidFill>
+          </a:ln>
+        </p:spPr>
+        <p:style>
+          <a:lnRef idx="2">
+            <a:schemeClr val="accent1">
+              <a:shade val="15000"/>
+            </a:schemeClr>
+          </a:lnRef>
+          <a:fillRef idx="1">
+            <a:schemeClr val="accent1"/>
+          </a:fillRef>
+          <a:effectRef idx="0">
+            <a:schemeClr val="accent1"/>
+          </a:effectRef>
+          <a:fontRef idx="minor">
+            <a:schemeClr val="lt1"/>
+          </a:fontRef>
+        </p:style>
+        <p:txBody>
+          <a:bodyPr rtlCol="0" anchor="ctr"/>
+          <a:lstStyle/>
+          <a:p>
+            <a:pPr algn="ctr"/>
+            <a:endParaRPr lang="en-US"/>
+          </a:p>
+        </p:txBody>
+      </p:sp>
+      <p:sp>
+        <p:nvSpPr>
+          <p:cNvPr id="69" name="Rectangle 68">
+            <a:extLst>
+              <a:ext uri="{FF2B5EF4-FFF2-40B4-BE49-F238E27FC236}">
+                <a16:creationId xmlns:a16="http://schemas.microsoft.com/office/drawing/2014/main" id="{BD677821-333A-486F-3911-EA0C493B8388}"/>
+              </a:ext>
+            </a:extLst>
+          </p:cNvPr>
+          <p:cNvSpPr/>
+          <p:nvPr/>
+        </p:nvSpPr>
+        <p:spPr>
+          <a:xfrm>
+            <a:off x="5244064" y="4450624"/>
+            <a:ext cx="97088" cy="2197468"/>
+          </a:xfrm>
+          <a:prstGeom prst="rect">
+            <a:avLst/>
+          </a:prstGeom>
+          <a:solidFill>
+            <a:schemeClr val="bg1"/>
+          </a:solidFill>
+          <a:ln>
+            <a:solidFill>
+              <a:schemeClr val="bg1"/>
+            </a:solidFill>
+          </a:ln>
+        </p:spPr>
+        <p:style>
+          <a:lnRef idx="2">
+            <a:schemeClr val="accent1">
+              <a:shade val="15000"/>
+            </a:schemeClr>
+          </a:lnRef>
+          <a:fillRef idx="1">
+            <a:schemeClr val="accent1"/>
+          </a:fillRef>
+          <a:effectRef idx="0">
+            <a:schemeClr val="accent1"/>
+          </a:effectRef>
+          <a:fontRef idx="minor">
+            <a:schemeClr val="lt1"/>
+          </a:fontRef>
+        </p:style>
+        <p:txBody>
+          <a:bodyPr rtlCol="0" anchor="ctr"/>
+          <a:lstStyle/>
+          <a:p>
+            <a:pPr algn="ctr"/>
+            <a:endParaRPr lang="en-US"/>
+          </a:p>
+        </p:txBody>
+      </p:sp>
+      <p:sp>
+        <p:nvSpPr>
+          <p:cNvPr id="70" name="Rectangle 69">
+            <a:extLst>
+              <a:ext uri="{FF2B5EF4-FFF2-40B4-BE49-F238E27FC236}">
+                <a16:creationId xmlns:a16="http://schemas.microsoft.com/office/drawing/2014/main" id="{8FE0DE9D-D537-F6EF-517E-DA0E3B4EE1B6}"/>
+              </a:ext>
+            </a:extLst>
+          </p:cNvPr>
+          <p:cNvSpPr/>
+          <p:nvPr/>
+        </p:nvSpPr>
+        <p:spPr>
+          <a:xfrm>
+            <a:off x="7663370" y="4415088"/>
+            <a:ext cx="97088" cy="2197468"/>
+          </a:xfrm>
+          <a:prstGeom prst="rect">
+            <a:avLst/>
+          </a:prstGeom>
+          <a:solidFill>
+            <a:schemeClr val="bg1"/>
+          </a:solidFill>
+          <a:ln>
+            <a:solidFill>
+              <a:schemeClr val="bg1"/>
+            </a:solidFill>
+          </a:ln>
+        </p:spPr>
+        <p:style>
+          <a:lnRef idx="2">
+            <a:schemeClr val="accent1">
+              <a:shade val="15000"/>
+            </a:schemeClr>
+          </a:lnRef>
+          <a:fillRef idx="1">
+            <a:schemeClr val="accent1"/>
+          </a:fillRef>
+          <a:effectRef idx="0">
+            <a:schemeClr val="accent1"/>
+          </a:effectRef>
+          <a:fontRef idx="minor">
+            <a:schemeClr val="lt1"/>
+          </a:fontRef>
+        </p:style>
+        <p:txBody>
+          <a:bodyPr rtlCol="0" anchor="ctr"/>
+          <a:lstStyle/>
+          <a:p>
+            <a:pPr algn="ctr"/>
+            <a:endParaRPr lang="en-US"/>
+          </a:p>
+        </p:txBody>
+      </p:sp>
+      <p:sp>
+        <p:nvSpPr>
+          <p:cNvPr id="71" name="Rectangle 70">
+            <a:extLst>
+              <a:ext uri="{FF2B5EF4-FFF2-40B4-BE49-F238E27FC236}">
+                <a16:creationId xmlns:a16="http://schemas.microsoft.com/office/drawing/2014/main" id="{1D015505-F0D8-6088-BA07-A4DFE61CD89B}"/>
+              </a:ext>
+            </a:extLst>
+          </p:cNvPr>
+          <p:cNvSpPr/>
+          <p:nvPr/>
+        </p:nvSpPr>
+        <p:spPr>
+          <a:xfrm rot="16200000">
+            <a:off x="8795295" y="5669307"/>
+            <a:ext cx="97088" cy="2197468"/>
+          </a:xfrm>
+          <a:prstGeom prst="rect">
+            <a:avLst/>
+          </a:prstGeom>
+          <a:solidFill>
+            <a:schemeClr val="bg1"/>
+          </a:solidFill>
+          <a:ln>
+            <a:solidFill>
+              <a:schemeClr val="bg1"/>
+            </a:solidFill>
+          </a:ln>
+        </p:spPr>
+        <p:style>
+          <a:lnRef idx="2">
+            <a:schemeClr val="accent1">
+              <a:shade val="15000"/>
+            </a:schemeClr>
+          </a:lnRef>
+          <a:fillRef idx="1">
+            <a:schemeClr val="accent1"/>
+          </a:fillRef>
+          <a:effectRef idx="0">
+            <a:schemeClr val="accent1"/>
+          </a:effectRef>
+          <a:fontRef idx="minor">
+            <a:schemeClr val="lt1"/>
+          </a:fontRef>
+        </p:style>
+        <p:txBody>
+          <a:bodyPr rtlCol="0" anchor="ctr"/>
+          <a:lstStyle/>
+          <a:p>
+            <a:pPr algn="ctr"/>
+            <a:endParaRPr lang="en-US"/>
+          </a:p>
+        </p:txBody>
+      </p:sp>
+      <p:sp>
+        <p:nvSpPr>
+          <p:cNvPr id="72" name="Rectangle 71">
+            <a:extLst>
+              <a:ext uri="{FF2B5EF4-FFF2-40B4-BE49-F238E27FC236}">
+                <a16:creationId xmlns:a16="http://schemas.microsoft.com/office/drawing/2014/main" id="{BF84A191-B79F-9A5F-92C6-A9F64A5CCB4B}"/>
+              </a:ext>
+            </a:extLst>
+          </p:cNvPr>
+          <p:cNvSpPr/>
+          <p:nvPr/>
+        </p:nvSpPr>
+        <p:spPr>
+          <a:xfrm rot="16200000">
+            <a:off x="6367375" y="5678679"/>
+            <a:ext cx="97088" cy="2197468"/>
+          </a:xfrm>
+          <a:prstGeom prst="rect">
+            <a:avLst/>
+          </a:prstGeom>
+          <a:solidFill>
+            <a:schemeClr val="bg1"/>
+          </a:solidFill>
+          <a:ln>
+            <a:solidFill>
+              <a:schemeClr val="bg1"/>
+            </a:solidFill>
+          </a:ln>
+        </p:spPr>
+        <p:style>
+          <a:lnRef idx="2">
+            <a:schemeClr val="accent1">
+              <a:shade val="15000"/>
+            </a:schemeClr>
+          </a:lnRef>
+          <a:fillRef idx="1">
+            <a:schemeClr val="accent1"/>
+          </a:fillRef>
+          <a:effectRef idx="0">
+            <a:schemeClr val="accent1"/>
+          </a:effectRef>
+          <a:fontRef idx="minor">
+            <a:schemeClr val="lt1"/>
+          </a:fontRef>
+        </p:style>
+        <p:txBody>
+          <a:bodyPr rtlCol="0" anchor="ctr"/>
+          <a:lstStyle/>
+          <a:p>
+            <a:pPr algn="ctr"/>
+            <a:endParaRPr lang="en-US"/>
+          </a:p>
+        </p:txBody>
+      </p:sp>
+      <p:sp>
+        <p:nvSpPr>
+          <p:cNvPr id="73" name="Rectangle 72">
+            <a:extLst>
+              <a:ext uri="{FF2B5EF4-FFF2-40B4-BE49-F238E27FC236}">
+                <a16:creationId xmlns:a16="http://schemas.microsoft.com/office/drawing/2014/main" id="{CE51C6B3-FCF1-FAFD-30C5-4E99CCFDE3A5}"/>
+              </a:ext>
+            </a:extLst>
+          </p:cNvPr>
+          <p:cNvSpPr/>
+          <p:nvPr/>
+        </p:nvSpPr>
+        <p:spPr>
+          <a:xfrm rot="16200000">
+            <a:off x="3977175" y="5667113"/>
+            <a:ext cx="97088" cy="2197468"/>
+          </a:xfrm>
+          <a:prstGeom prst="rect">
+            <a:avLst/>
+          </a:prstGeom>
+          <a:solidFill>
+            <a:schemeClr val="bg1"/>
+          </a:solidFill>
+          <a:ln>
+            <a:solidFill>
+              <a:schemeClr val="bg1"/>
+            </a:solidFill>
+          </a:ln>
+        </p:spPr>
+        <p:style>
+          <a:lnRef idx="2">
+            <a:schemeClr val="accent1">
+              <a:shade val="15000"/>
+            </a:schemeClr>
+          </a:lnRef>
+          <a:fillRef idx="1">
+            <a:schemeClr val="accent1"/>
+          </a:fillRef>
+          <a:effectRef idx="0">
+            <a:schemeClr val="accent1"/>
+          </a:effectRef>
+          <a:fontRef idx="minor">
+            <a:schemeClr val="lt1"/>
+          </a:fontRef>
+        </p:style>
+        <p:txBody>
+          <a:bodyPr rtlCol="0" anchor="ctr"/>
+          <a:lstStyle/>
+          <a:p>
+            <a:pPr algn="ctr"/>
+            <a:endParaRPr lang="en-US"/>
+          </a:p>
+        </p:txBody>
+      </p:sp>
     </p:spTree>
     <p:extLst>
       <p:ext uri="{BB962C8B-B14F-4D97-AF65-F5344CB8AC3E}">

--- a/Ising_plots.pptx
+++ b/Ising_plots.pptx
@@ -6,6 +6,8 @@
   </p:sldMasterIdLst>
   <p:sldIdLst>
     <p:sldId id="256" r:id="rId2"/>
+    <p:sldId id="257" r:id="rId3"/>
+    <p:sldId id="258" r:id="rId4"/>
   </p:sldIdLst>
   <p:sldSz cx="12192000" cy="6858000"/>
   <p:notesSz cx="6858000" cy="9144000"/>
@@ -5512,6 +5514,172 @@
 </p:sld>
 </file>
 
+<file path=ppt/slides/slide2.xml><?xml version="1.0" encoding="utf-8"?>
+<p:sld xmlns:a="http://schemas.openxmlformats.org/drawingml/2006/main" xmlns:r="http://schemas.openxmlformats.org/officeDocument/2006/relationships" xmlns:p="http://schemas.openxmlformats.org/presentationml/2006/main">
+  <p:cSld>
+    <p:spTree>
+      <p:nvGrpSpPr>
+        <p:cNvPr id="1" name=""/>
+        <p:cNvGrpSpPr/>
+        <p:nvPr/>
+      </p:nvGrpSpPr>
+      <p:grpSpPr>
+        <a:xfrm>
+          <a:off x="0" y="0"/>
+          <a:ext cx="0" cy="0"/>
+          <a:chOff x="0" y="0"/>
+          <a:chExt cx="0" cy="0"/>
+        </a:xfrm>
+      </p:grpSpPr>
+      <p:sp>
+        <p:nvSpPr>
+          <p:cNvPr id="2" name="Title 1">
+            <a:extLst>
+              <a:ext uri="{FF2B5EF4-FFF2-40B4-BE49-F238E27FC236}">
+                <a16:creationId xmlns:a16="http://schemas.microsoft.com/office/drawing/2014/main" id="{3AB33561-EB45-4F93-4968-3BCF50C5335B}"/>
+              </a:ext>
+            </a:extLst>
+          </p:cNvPr>
+          <p:cNvSpPr>
+            <a:spLocks noGrp="1"/>
+          </p:cNvSpPr>
+          <p:nvPr>
+            <p:ph type="title"/>
+          </p:nvPr>
+        </p:nvSpPr>
+        <p:spPr/>
+        <p:txBody>
+          <a:bodyPr/>
+          <a:lstStyle/>
+          <a:p>
+            <a:r>
+              <a:rPr lang="en-US" dirty="0"/>
+              <a:t>Figure 2: Magnetization</a:t>
+            </a:r>
+          </a:p>
+        </p:txBody>
+      </p:sp>
+      <p:sp>
+        <p:nvSpPr>
+          <p:cNvPr id="3" name="Content Placeholder 2">
+            <a:extLst>
+              <a:ext uri="{FF2B5EF4-FFF2-40B4-BE49-F238E27FC236}">
+                <a16:creationId xmlns:a16="http://schemas.microsoft.com/office/drawing/2014/main" id="{D84E1F5E-B19C-25C5-B57C-E3312CEDB303}"/>
+              </a:ext>
+            </a:extLst>
+          </p:cNvPr>
+          <p:cNvSpPr>
+            <a:spLocks noGrp="1"/>
+          </p:cNvSpPr>
+          <p:nvPr>
+            <p:ph idx="1"/>
+          </p:nvPr>
+        </p:nvSpPr>
+        <p:spPr/>
+        <p:txBody>
+          <a:bodyPr/>
+          <a:lstStyle/>
+          <a:p>
+            <a:endParaRPr lang="en-US"/>
+          </a:p>
+        </p:txBody>
+      </p:sp>
+    </p:spTree>
+    <p:extLst>
+      <p:ext uri="{BB962C8B-B14F-4D97-AF65-F5344CB8AC3E}">
+        <p14:creationId xmlns:p14="http://schemas.microsoft.com/office/powerpoint/2010/main" val="2339774537"/>
+      </p:ext>
+    </p:extLst>
+  </p:cSld>
+  <p:clrMapOvr>
+    <a:masterClrMapping/>
+  </p:clrMapOvr>
+</p:sld>
+</file>
+
+<file path=ppt/slides/slide3.xml><?xml version="1.0" encoding="utf-8"?>
+<p:sld xmlns:a="http://schemas.openxmlformats.org/drawingml/2006/main" xmlns:r="http://schemas.openxmlformats.org/officeDocument/2006/relationships" xmlns:p="http://schemas.openxmlformats.org/presentationml/2006/main">
+  <p:cSld>
+    <p:spTree>
+      <p:nvGrpSpPr>
+        <p:cNvPr id="1" name=""/>
+        <p:cNvGrpSpPr/>
+        <p:nvPr/>
+      </p:nvGrpSpPr>
+      <p:grpSpPr>
+        <a:xfrm>
+          <a:off x="0" y="0"/>
+          <a:ext cx="0" cy="0"/>
+          <a:chOff x="0" y="0"/>
+          <a:chExt cx="0" cy="0"/>
+        </a:xfrm>
+      </p:grpSpPr>
+      <p:sp>
+        <p:nvSpPr>
+          <p:cNvPr id="2" name="Title 1">
+            <a:extLst>
+              <a:ext uri="{FF2B5EF4-FFF2-40B4-BE49-F238E27FC236}">
+                <a16:creationId xmlns:a16="http://schemas.microsoft.com/office/drawing/2014/main" id="{0690A97E-E0BD-AE2B-B321-B2E44BF6841A}"/>
+              </a:ext>
+            </a:extLst>
+          </p:cNvPr>
+          <p:cNvSpPr>
+            <a:spLocks noGrp="1"/>
+          </p:cNvSpPr>
+          <p:nvPr>
+            <p:ph type="title"/>
+          </p:nvPr>
+        </p:nvSpPr>
+        <p:spPr/>
+        <p:txBody>
+          <a:bodyPr/>
+          <a:lstStyle/>
+          <a:p>
+            <a:r>
+              <a:rPr lang="en-US" dirty="0"/>
+              <a:t>Figure 3: </a:t>
+            </a:r>
+          </a:p>
+        </p:txBody>
+      </p:sp>
+      <p:sp>
+        <p:nvSpPr>
+          <p:cNvPr id="3" name="Content Placeholder 2">
+            <a:extLst>
+              <a:ext uri="{FF2B5EF4-FFF2-40B4-BE49-F238E27FC236}">
+                <a16:creationId xmlns:a16="http://schemas.microsoft.com/office/drawing/2014/main" id="{153043E2-B11E-2874-F309-EECBB76F47D0}"/>
+              </a:ext>
+            </a:extLst>
+          </p:cNvPr>
+          <p:cNvSpPr>
+            <a:spLocks noGrp="1"/>
+          </p:cNvSpPr>
+          <p:nvPr>
+            <p:ph idx="1"/>
+          </p:nvPr>
+        </p:nvSpPr>
+        <p:spPr/>
+        <p:txBody>
+          <a:bodyPr/>
+          <a:lstStyle/>
+          <a:p>
+            <a:endParaRPr lang="en-US"/>
+          </a:p>
+        </p:txBody>
+      </p:sp>
+    </p:spTree>
+    <p:extLst>
+      <p:ext uri="{BB962C8B-B14F-4D97-AF65-F5344CB8AC3E}">
+        <p14:creationId xmlns:p14="http://schemas.microsoft.com/office/powerpoint/2010/main" val="3385132260"/>
+      </p:ext>
+    </p:extLst>
+  </p:cSld>
+  <p:clrMapOvr>
+    <a:masterClrMapping/>
+  </p:clrMapOvr>
+</p:sld>
+</file>
+
 <file path=ppt/theme/theme1.xml><?xml version="1.0" encoding="utf-8"?>
 <a:theme xmlns:a="http://schemas.openxmlformats.org/drawingml/2006/main" name="Office Theme">
   <a:themeElements>

--- a/Ising_plots.pptx
+++ b/Ising_plots.pptx
@@ -106,6 +106,11 @@
       </a:defRPr>
     </a:lvl9pPr>
   </p:defaultTextStyle>
+  <p:extLst>
+    <p:ext uri="{EFAFB233-063F-42B5-8137-9DF3F51BA10A}">
+      <p15:sldGuideLst xmlns:p15="http://schemas.microsoft.com/office/powerpoint/2012/main"/>
+    </p:ext>
+  </p:extLst>
 </p:presentation>
 </file>
 
@@ -256,7 +261,7 @@
           <a:p>
             <a:fld id="{757A3459-F289-D940-974C-714200A2989A}" type="datetimeFigureOut">
               <a:rPr lang="en-US" smtClean="0"/>
-              <a:t>4/18/24</a:t>
+              <a:t>4/21/24</a:t>
             </a:fld>
             <a:endParaRPr lang="en-US"/>
           </a:p>
@@ -454,7 +459,7 @@
           <a:p>
             <a:fld id="{757A3459-F289-D940-974C-714200A2989A}" type="datetimeFigureOut">
               <a:rPr lang="en-US" smtClean="0"/>
-              <a:t>4/18/24</a:t>
+              <a:t>4/21/24</a:t>
             </a:fld>
             <a:endParaRPr lang="en-US"/>
           </a:p>
@@ -662,7 +667,7 @@
           <a:p>
             <a:fld id="{757A3459-F289-D940-974C-714200A2989A}" type="datetimeFigureOut">
               <a:rPr lang="en-US" smtClean="0"/>
-              <a:t>4/18/24</a:t>
+              <a:t>4/21/24</a:t>
             </a:fld>
             <a:endParaRPr lang="en-US"/>
           </a:p>
@@ -860,7 +865,7 @@
           <a:p>
             <a:fld id="{757A3459-F289-D940-974C-714200A2989A}" type="datetimeFigureOut">
               <a:rPr lang="en-US" smtClean="0"/>
-              <a:t>4/18/24</a:t>
+              <a:t>4/21/24</a:t>
             </a:fld>
             <a:endParaRPr lang="en-US"/>
           </a:p>
@@ -1135,7 +1140,7 @@
           <a:p>
             <a:fld id="{757A3459-F289-D940-974C-714200A2989A}" type="datetimeFigureOut">
               <a:rPr lang="en-US" smtClean="0"/>
-              <a:t>4/18/24</a:t>
+              <a:t>4/21/24</a:t>
             </a:fld>
             <a:endParaRPr lang="en-US"/>
           </a:p>
@@ -1400,7 +1405,7 @@
           <a:p>
             <a:fld id="{757A3459-F289-D940-974C-714200A2989A}" type="datetimeFigureOut">
               <a:rPr lang="en-US" smtClean="0"/>
-              <a:t>4/18/24</a:t>
+              <a:t>4/21/24</a:t>
             </a:fld>
             <a:endParaRPr lang="en-US"/>
           </a:p>
@@ -1812,7 +1817,7 @@
           <a:p>
             <a:fld id="{757A3459-F289-D940-974C-714200A2989A}" type="datetimeFigureOut">
               <a:rPr lang="en-US" smtClean="0"/>
-              <a:t>4/18/24</a:t>
+              <a:t>4/21/24</a:t>
             </a:fld>
             <a:endParaRPr lang="en-US"/>
           </a:p>
@@ -1953,7 +1958,7 @@
           <a:p>
             <a:fld id="{757A3459-F289-D940-974C-714200A2989A}" type="datetimeFigureOut">
               <a:rPr lang="en-US" smtClean="0"/>
-              <a:t>4/18/24</a:t>
+              <a:t>4/21/24</a:t>
             </a:fld>
             <a:endParaRPr lang="en-US"/>
           </a:p>
@@ -2066,7 +2071,7 @@
           <a:p>
             <a:fld id="{757A3459-F289-D940-974C-714200A2989A}" type="datetimeFigureOut">
               <a:rPr lang="en-US" smtClean="0"/>
-              <a:t>4/18/24</a:t>
+              <a:t>4/21/24</a:t>
             </a:fld>
             <a:endParaRPr lang="en-US"/>
           </a:p>
@@ -2377,7 +2382,7 @@
           <a:p>
             <a:fld id="{757A3459-F289-D940-974C-714200A2989A}" type="datetimeFigureOut">
               <a:rPr lang="en-US" smtClean="0"/>
-              <a:t>4/18/24</a:t>
+              <a:t>4/21/24</a:t>
             </a:fld>
             <a:endParaRPr lang="en-US"/>
           </a:p>
@@ -2665,7 +2670,7 @@
           <a:p>
             <a:fld id="{757A3459-F289-D940-974C-714200A2989A}" type="datetimeFigureOut">
               <a:rPr lang="en-US" smtClean="0"/>
-              <a:t>4/18/24</a:t>
+              <a:t>4/21/24</a:t>
             </a:fld>
             <a:endParaRPr lang="en-US"/>
           </a:p>
@@ -2906,7 +2911,7 @@
           <a:p>
             <a:fld id="{757A3459-F289-D940-974C-714200A2989A}" type="datetimeFigureOut">
               <a:rPr lang="en-US" smtClean="0"/>
-              <a:t>4/18/24</a:t>
+              <a:t>4/21/24</a:t>
             </a:fld>
             <a:endParaRPr lang="en-US"/>
           </a:p>
@@ -4769,8 +4774,8 @@
           </a:p>
         </p:txBody>
       </p:sp>
-      <mc:AlternateContent xmlns:mc="http://schemas.openxmlformats.org/markup-compatibility/2006">
-        <mc:Choice xmlns:a14="http://schemas.microsoft.com/office/drawing/2010/main" Requires="a14">
+      <mc:AlternateContent xmlns:mc="http://schemas.openxmlformats.org/markup-compatibility/2006" xmlns:a14="http://schemas.microsoft.com/office/drawing/2010/main">
+        <mc:Choice Requires="a14">
           <p:sp>
             <p:nvSpPr>
               <p:cNvPr id="47" name="TextBox 46">
@@ -4801,6 +4806,7 @@
               </a:bodyPr>
               <a:lstStyle/>
               <a:p>
+                <a:pPr/>
                 <a14:m>
                   <m:oMathPara xmlns:m="http://schemas.openxmlformats.org/officeDocument/2006/math">
                     <m:oMathParaPr>
@@ -4860,7 +4866,7 @@
             </p:txBody>
           </p:sp>
         </mc:Choice>
-        <mc:Fallback>
+        <mc:Fallback xmlns="">
           <p:sp>
             <p:nvSpPr>
               <p:cNvPr id="47" name="TextBox 46">
@@ -4905,8 +4911,8 @@
           </p:sp>
         </mc:Fallback>
       </mc:AlternateContent>
-      <mc:AlternateContent xmlns:mc="http://schemas.openxmlformats.org/markup-compatibility/2006">
-        <mc:Choice xmlns:a14="http://schemas.microsoft.com/office/drawing/2010/main" Requires="a14">
+      <mc:AlternateContent xmlns:mc="http://schemas.openxmlformats.org/markup-compatibility/2006" xmlns:a14="http://schemas.microsoft.com/office/drawing/2010/main">
+        <mc:Choice Requires="a14">
           <p:sp>
             <p:nvSpPr>
               <p:cNvPr id="66" name="TextBox 65">
@@ -4937,6 +4943,7 @@
               </a:bodyPr>
               <a:lstStyle/>
               <a:p>
+                <a:pPr/>
                 <a14:m>
                   <m:oMathPara xmlns:m="http://schemas.openxmlformats.org/officeDocument/2006/math">
                     <m:oMathParaPr>
@@ -4996,7 +5003,7 @@
             </p:txBody>
           </p:sp>
         </mc:Choice>
-        <mc:Fallback>
+        <mc:Fallback xmlns="">
           <p:sp>
             <p:nvSpPr>
               <p:cNvPr id="66" name="TextBox 65">
@@ -5041,8 +5048,8 @@
           </p:sp>
         </mc:Fallback>
       </mc:AlternateContent>
-      <mc:AlternateContent xmlns:mc="http://schemas.openxmlformats.org/markup-compatibility/2006">
-        <mc:Choice xmlns:a14="http://schemas.microsoft.com/office/drawing/2010/main" Requires="a14">
+      <mc:AlternateContent xmlns:mc="http://schemas.openxmlformats.org/markup-compatibility/2006" xmlns:a14="http://schemas.microsoft.com/office/drawing/2010/main">
+        <mc:Choice Requires="a14">
           <p:sp>
             <p:nvSpPr>
               <p:cNvPr id="67" name="TextBox 66">
@@ -5073,6 +5080,7 @@
               </a:bodyPr>
               <a:lstStyle/>
               <a:p>
+                <a:pPr/>
                 <a14:m>
                   <m:oMathPara xmlns:m="http://schemas.openxmlformats.org/officeDocument/2006/math">
                     <m:oMathParaPr>
@@ -5132,7 +5140,7 @@
             </p:txBody>
           </p:sp>
         </mc:Choice>
-        <mc:Fallback>
+        <mc:Fallback xmlns="">
           <p:sp>
             <p:nvSpPr>
               <p:cNvPr id="67" name="TextBox 66">
@@ -5498,6 +5506,76 @@
           <a:p>
             <a:pPr algn="ctr"/>
             <a:endParaRPr lang="en-US"/>
+          </a:p>
+        </p:txBody>
+      </p:sp>
+      <p:sp>
+        <p:nvSpPr>
+          <p:cNvPr id="2" name="TextBox 1">
+            <a:extLst>
+              <a:ext uri="{FF2B5EF4-FFF2-40B4-BE49-F238E27FC236}">
+                <a16:creationId xmlns:a16="http://schemas.microsoft.com/office/drawing/2014/main" id="{8CB61D5C-FE43-97DA-93C7-B3BDC5C4A390}"/>
+              </a:ext>
+            </a:extLst>
+          </p:cNvPr>
+          <p:cNvSpPr txBox="1"/>
+          <p:nvPr/>
+        </p:nvSpPr>
+        <p:spPr>
+          <a:xfrm>
+            <a:off x="2825254" y="-6321"/>
+            <a:ext cx="609599" cy="369332"/>
+          </a:xfrm>
+          <a:prstGeom prst="rect">
+            <a:avLst/>
+          </a:prstGeom>
+          <a:noFill/>
+        </p:spPr>
+        <p:txBody>
+          <a:bodyPr wrap="square" rtlCol="0">
+            <a:spAutoFit/>
+          </a:bodyPr>
+          <a:lstStyle/>
+          <a:p>
+            <a:r>
+              <a:rPr lang="en-US" dirty="0"/>
+              <a:t>a)</a:t>
+            </a:r>
+          </a:p>
+        </p:txBody>
+      </p:sp>
+      <p:sp>
+        <p:nvSpPr>
+          <p:cNvPr id="3" name="TextBox 2">
+            <a:extLst>
+              <a:ext uri="{FF2B5EF4-FFF2-40B4-BE49-F238E27FC236}">
+                <a16:creationId xmlns:a16="http://schemas.microsoft.com/office/drawing/2014/main" id="{BC641305-3190-C926-379C-538FD34747DD}"/>
+              </a:ext>
+            </a:extLst>
+          </p:cNvPr>
+          <p:cNvSpPr txBox="1"/>
+          <p:nvPr/>
+        </p:nvSpPr>
+        <p:spPr>
+          <a:xfrm>
+            <a:off x="2866874" y="4068324"/>
+            <a:ext cx="609599" cy="369332"/>
+          </a:xfrm>
+          <a:prstGeom prst="rect">
+            <a:avLst/>
+          </a:prstGeom>
+          <a:noFill/>
+        </p:spPr>
+        <p:txBody>
+          <a:bodyPr wrap="square" rtlCol="0">
+            <a:spAutoFit/>
+          </a:bodyPr>
+          <a:lstStyle/>
+          <a:p>
+            <a:r>
+              <a:rPr lang="en-US" dirty="0"/>
+              <a:t>b)</a:t>
+            </a:r>
           </a:p>
         </p:txBody>
       </p:sp>

--- a/Ising_plots.pptx
+++ b/Ising_plots.pptx
@@ -261,7 +261,7 @@
           <a:p>
             <a:fld id="{757A3459-F289-D940-974C-714200A2989A}" type="datetimeFigureOut">
               <a:rPr lang="en-US" smtClean="0"/>
-              <a:t>4/21/24</a:t>
+              <a:t>4/23/24</a:t>
             </a:fld>
             <a:endParaRPr lang="en-US"/>
           </a:p>
@@ -459,7 +459,7 @@
           <a:p>
             <a:fld id="{757A3459-F289-D940-974C-714200A2989A}" type="datetimeFigureOut">
               <a:rPr lang="en-US" smtClean="0"/>
-              <a:t>4/21/24</a:t>
+              <a:t>4/23/24</a:t>
             </a:fld>
             <a:endParaRPr lang="en-US"/>
           </a:p>
@@ -667,7 +667,7 @@
           <a:p>
             <a:fld id="{757A3459-F289-D940-974C-714200A2989A}" type="datetimeFigureOut">
               <a:rPr lang="en-US" smtClean="0"/>
-              <a:t>4/21/24</a:t>
+              <a:t>4/23/24</a:t>
             </a:fld>
             <a:endParaRPr lang="en-US"/>
           </a:p>
@@ -865,7 +865,7 @@
           <a:p>
             <a:fld id="{757A3459-F289-D940-974C-714200A2989A}" type="datetimeFigureOut">
               <a:rPr lang="en-US" smtClean="0"/>
-              <a:t>4/21/24</a:t>
+              <a:t>4/23/24</a:t>
             </a:fld>
             <a:endParaRPr lang="en-US"/>
           </a:p>
@@ -1140,7 +1140,7 @@
           <a:p>
             <a:fld id="{757A3459-F289-D940-974C-714200A2989A}" type="datetimeFigureOut">
               <a:rPr lang="en-US" smtClean="0"/>
-              <a:t>4/21/24</a:t>
+              <a:t>4/23/24</a:t>
             </a:fld>
             <a:endParaRPr lang="en-US"/>
           </a:p>
@@ -1405,7 +1405,7 @@
           <a:p>
             <a:fld id="{757A3459-F289-D940-974C-714200A2989A}" type="datetimeFigureOut">
               <a:rPr lang="en-US" smtClean="0"/>
-              <a:t>4/21/24</a:t>
+              <a:t>4/23/24</a:t>
             </a:fld>
             <a:endParaRPr lang="en-US"/>
           </a:p>
@@ -1817,7 +1817,7 @@
           <a:p>
             <a:fld id="{757A3459-F289-D940-974C-714200A2989A}" type="datetimeFigureOut">
               <a:rPr lang="en-US" smtClean="0"/>
-              <a:t>4/21/24</a:t>
+              <a:t>4/23/24</a:t>
             </a:fld>
             <a:endParaRPr lang="en-US"/>
           </a:p>
@@ -1958,7 +1958,7 @@
           <a:p>
             <a:fld id="{757A3459-F289-D940-974C-714200A2989A}" type="datetimeFigureOut">
               <a:rPr lang="en-US" smtClean="0"/>
-              <a:t>4/21/24</a:t>
+              <a:t>4/23/24</a:t>
             </a:fld>
             <a:endParaRPr lang="en-US"/>
           </a:p>
@@ -2071,7 +2071,7 @@
           <a:p>
             <a:fld id="{757A3459-F289-D940-974C-714200A2989A}" type="datetimeFigureOut">
               <a:rPr lang="en-US" smtClean="0"/>
-              <a:t>4/21/24</a:t>
+              <a:t>4/23/24</a:t>
             </a:fld>
             <a:endParaRPr lang="en-US"/>
           </a:p>
@@ -2382,7 +2382,7 @@
           <a:p>
             <a:fld id="{757A3459-F289-D940-974C-714200A2989A}" type="datetimeFigureOut">
               <a:rPr lang="en-US" smtClean="0"/>
-              <a:t>4/21/24</a:t>
+              <a:t>4/23/24</a:t>
             </a:fld>
             <a:endParaRPr lang="en-US"/>
           </a:p>
@@ -2670,7 +2670,7 @@
           <a:p>
             <a:fld id="{757A3459-F289-D940-974C-714200A2989A}" type="datetimeFigureOut">
               <a:rPr lang="en-US" smtClean="0"/>
-              <a:t>4/21/24</a:t>
+              <a:t>4/23/24</a:t>
             </a:fld>
             <a:endParaRPr lang="en-US"/>
           </a:p>
@@ -2911,7 +2911,7 @@
           <a:p>
             <a:fld id="{757A3459-F289-D940-974C-714200A2989A}" type="datetimeFigureOut">
               <a:rPr lang="en-US" smtClean="0"/>
-              <a:t>4/21/24</a:t>
+              <a:t>4/23/24</a:t>
             </a:fld>
             <a:endParaRPr lang="en-US"/>
           </a:p>
@@ -5720,28 +5720,133 @@
           </a:p>
         </p:txBody>
       </p:sp>
-      <p:sp>
-        <p:nvSpPr>
-          <p:cNvPr id="3" name="Content Placeholder 2">
-            <a:extLst>
-              <a:ext uri="{FF2B5EF4-FFF2-40B4-BE49-F238E27FC236}">
-                <a16:creationId xmlns:a16="http://schemas.microsoft.com/office/drawing/2014/main" id="{153043E2-B11E-2874-F309-EECBB76F47D0}"/>
-              </a:ext>
-            </a:extLst>
-          </p:cNvPr>
-          <p:cNvSpPr>
-            <a:spLocks noGrp="1"/>
-          </p:cNvSpPr>
-          <p:nvPr>
-            <p:ph idx="1"/>
-          </p:nvPr>
-        </p:nvSpPr>
-        <p:spPr/>
-        <p:txBody>
-          <a:bodyPr/>
-          <a:lstStyle/>
-          <a:p>
-            <a:endParaRPr lang="en-US"/>
+      <p:pic>
+        <p:nvPicPr>
+          <p:cNvPr id="4" name="Picture 3">
+            <a:extLst>
+              <a:ext uri="{FF2B5EF4-FFF2-40B4-BE49-F238E27FC236}">
+                <a16:creationId xmlns:a16="http://schemas.microsoft.com/office/drawing/2014/main" id="{C45927BA-6150-3B8B-AD06-AC002FADB27A}"/>
+              </a:ext>
+            </a:extLst>
+          </p:cNvPr>
+          <p:cNvPicPr>
+            <a:picLocks noChangeAspect="1"/>
+          </p:cNvPicPr>
+          <p:nvPr/>
+        </p:nvPicPr>
+        <p:blipFill>
+          <a:blip r:embed="rId2"/>
+          <a:stretch>
+            <a:fillRect/>
+          </a:stretch>
+        </p:blipFill>
+        <p:spPr>
+          <a:xfrm>
+            <a:off x="375107" y="1605413"/>
+            <a:ext cx="5219700" cy="3949700"/>
+          </a:xfrm>
+          <a:prstGeom prst="rect">
+            <a:avLst/>
+          </a:prstGeom>
+        </p:spPr>
+      </p:pic>
+      <p:pic>
+        <p:nvPicPr>
+          <p:cNvPr id="5" name="Picture 4">
+            <a:extLst>
+              <a:ext uri="{FF2B5EF4-FFF2-40B4-BE49-F238E27FC236}">
+                <a16:creationId xmlns:a16="http://schemas.microsoft.com/office/drawing/2014/main" id="{E2EAE6FC-3234-9001-68C8-C7CF272512B9}"/>
+              </a:ext>
+            </a:extLst>
+          </p:cNvPr>
+          <p:cNvPicPr>
+            <a:picLocks noChangeAspect="1"/>
+          </p:cNvPicPr>
+          <p:nvPr/>
+        </p:nvPicPr>
+        <p:blipFill>
+          <a:blip r:embed="rId3"/>
+          <a:stretch>
+            <a:fillRect/>
+          </a:stretch>
+        </p:blipFill>
+        <p:spPr>
+          <a:xfrm>
+            <a:off x="5503291" y="1603056"/>
+            <a:ext cx="5257800" cy="3949700"/>
+          </a:xfrm>
+          <a:prstGeom prst="rect">
+            <a:avLst/>
+          </a:prstGeom>
+        </p:spPr>
+      </p:pic>
+      <p:sp>
+        <p:nvSpPr>
+          <p:cNvPr id="6" name="TextBox 5">
+            <a:extLst>
+              <a:ext uri="{FF2B5EF4-FFF2-40B4-BE49-F238E27FC236}">
+                <a16:creationId xmlns:a16="http://schemas.microsoft.com/office/drawing/2014/main" id="{D0424993-7EBE-9C71-6A58-42B11EB84084}"/>
+              </a:ext>
+            </a:extLst>
+          </p:cNvPr>
+          <p:cNvSpPr txBox="1"/>
+          <p:nvPr/>
+        </p:nvSpPr>
+        <p:spPr>
+          <a:xfrm>
+            <a:off x="375107" y="1603056"/>
+            <a:ext cx="609599" cy="369332"/>
+          </a:xfrm>
+          <a:prstGeom prst="rect">
+            <a:avLst/>
+          </a:prstGeom>
+          <a:noFill/>
+        </p:spPr>
+        <p:txBody>
+          <a:bodyPr wrap="square" rtlCol="0">
+            <a:spAutoFit/>
+          </a:bodyPr>
+          <a:lstStyle/>
+          <a:p>
+            <a:r>
+              <a:rPr lang="en-US" dirty="0"/>
+              <a:t>a)</a:t>
+            </a:r>
+          </a:p>
+        </p:txBody>
+      </p:sp>
+      <p:sp>
+        <p:nvSpPr>
+          <p:cNvPr id="7" name="TextBox 6">
+            <a:extLst>
+              <a:ext uri="{FF2B5EF4-FFF2-40B4-BE49-F238E27FC236}">
+                <a16:creationId xmlns:a16="http://schemas.microsoft.com/office/drawing/2014/main" id="{29E93B90-7F7E-A6A0-5B0E-B9A0BC2BE4EB}"/>
+              </a:ext>
+            </a:extLst>
+          </p:cNvPr>
+          <p:cNvSpPr txBox="1"/>
+          <p:nvPr/>
+        </p:nvSpPr>
+        <p:spPr>
+          <a:xfrm>
+            <a:off x="5600107" y="1603056"/>
+            <a:ext cx="609599" cy="369332"/>
+          </a:xfrm>
+          <a:prstGeom prst="rect">
+            <a:avLst/>
+          </a:prstGeom>
+          <a:noFill/>
+        </p:spPr>
+        <p:txBody>
+          <a:bodyPr wrap="square" rtlCol="0">
+            <a:spAutoFit/>
+          </a:bodyPr>
+          <a:lstStyle/>
+          <a:p>
+            <a:r>
+              <a:rPr lang="en-US" dirty="0"/>
+              <a:t>b)</a:t>
+            </a:r>
           </a:p>
         </p:txBody>
       </p:sp>

--- a/Ising_plots.pptx
+++ b/Ising_plots.pptx
@@ -261,7 +261,7 @@
           <a:p>
             <a:fld id="{757A3459-F289-D940-974C-714200A2989A}" type="datetimeFigureOut">
               <a:rPr lang="en-US" smtClean="0"/>
-              <a:t>4/23/24</a:t>
+              <a:t>5/7/24</a:t>
             </a:fld>
             <a:endParaRPr lang="en-US"/>
           </a:p>
@@ -459,7 +459,7 @@
           <a:p>
             <a:fld id="{757A3459-F289-D940-974C-714200A2989A}" type="datetimeFigureOut">
               <a:rPr lang="en-US" smtClean="0"/>
-              <a:t>4/23/24</a:t>
+              <a:t>5/7/24</a:t>
             </a:fld>
             <a:endParaRPr lang="en-US"/>
           </a:p>
@@ -667,7 +667,7 @@
           <a:p>
             <a:fld id="{757A3459-F289-D940-974C-714200A2989A}" type="datetimeFigureOut">
               <a:rPr lang="en-US" smtClean="0"/>
-              <a:t>4/23/24</a:t>
+              <a:t>5/7/24</a:t>
             </a:fld>
             <a:endParaRPr lang="en-US"/>
           </a:p>
@@ -865,7 +865,7 @@
           <a:p>
             <a:fld id="{757A3459-F289-D940-974C-714200A2989A}" type="datetimeFigureOut">
               <a:rPr lang="en-US" smtClean="0"/>
-              <a:t>4/23/24</a:t>
+              <a:t>5/7/24</a:t>
             </a:fld>
             <a:endParaRPr lang="en-US"/>
           </a:p>
@@ -1140,7 +1140,7 @@
           <a:p>
             <a:fld id="{757A3459-F289-D940-974C-714200A2989A}" type="datetimeFigureOut">
               <a:rPr lang="en-US" smtClean="0"/>
-              <a:t>4/23/24</a:t>
+              <a:t>5/7/24</a:t>
             </a:fld>
             <a:endParaRPr lang="en-US"/>
           </a:p>
@@ -1405,7 +1405,7 @@
           <a:p>
             <a:fld id="{757A3459-F289-D940-974C-714200A2989A}" type="datetimeFigureOut">
               <a:rPr lang="en-US" smtClean="0"/>
-              <a:t>4/23/24</a:t>
+              <a:t>5/7/24</a:t>
             </a:fld>
             <a:endParaRPr lang="en-US"/>
           </a:p>
@@ -1817,7 +1817,7 @@
           <a:p>
             <a:fld id="{757A3459-F289-D940-974C-714200A2989A}" type="datetimeFigureOut">
               <a:rPr lang="en-US" smtClean="0"/>
-              <a:t>4/23/24</a:t>
+              <a:t>5/7/24</a:t>
             </a:fld>
             <a:endParaRPr lang="en-US"/>
           </a:p>
@@ -1958,7 +1958,7 @@
           <a:p>
             <a:fld id="{757A3459-F289-D940-974C-714200A2989A}" type="datetimeFigureOut">
               <a:rPr lang="en-US" smtClean="0"/>
-              <a:t>4/23/24</a:t>
+              <a:t>5/7/24</a:t>
             </a:fld>
             <a:endParaRPr lang="en-US"/>
           </a:p>
@@ -2071,7 +2071,7 @@
           <a:p>
             <a:fld id="{757A3459-F289-D940-974C-714200A2989A}" type="datetimeFigureOut">
               <a:rPr lang="en-US" smtClean="0"/>
-              <a:t>4/23/24</a:t>
+              <a:t>5/7/24</a:t>
             </a:fld>
             <a:endParaRPr lang="en-US"/>
           </a:p>
@@ -2382,7 +2382,7 @@
           <a:p>
             <a:fld id="{757A3459-F289-D940-974C-714200A2989A}" type="datetimeFigureOut">
               <a:rPr lang="en-US" smtClean="0"/>
-              <a:t>4/23/24</a:t>
+              <a:t>5/7/24</a:t>
             </a:fld>
             <a:endParaRPr lang="en-US"/>
           </a:p>
@@ -2670,7 +2670,7 @@
           <a:p>
             <a:fld id="{757A3459-F289-D940-974C-714200A2989A}" type="datetimeFigureOut">
               <a:rPr lang="en-US" smtClean="0"/>
-              <a:t>4/23/24</a:t>
+              <a:t>5/7/24</a:t>
             </a:fld>
             <a:endParaRPr lang="en-US"/>
           </a:p>
@@ -2911,7 +2911,7 @@
           <a:p>
             <a:fld id="{757A3459-F289-D940-974C-714200A2989A}" type="datetimeFigureOut">
               <a:rPr lang="en-US" smtClean="0"/>
-              <a:t>4/23/24</a:t>
+              <a:t>5/7/24</a:t>
             </a:fld>
             <a:endParaRPr lang="en-US"/>
           </a:p>
@@ -5692,40 +5692,12 @@
           <a:chExt cx="0" cy="0"/>
         </a:xfrm>
       </p:grpSpPr>
-      <p:sp>
-        <p:nvSpPr>
-          <p:cNvPr id="2" name="Title 1">
-            <a:extLst>
-              <a:ext uri="{FF2B5EF4-FFF2-40B4-BE49-F238E27FC236}">
-                <a16:creationId xmlns:a16="http://schemas.microsoft.com/office/drawing/2014/main" id="{0690A97E-E0BD-AE2B-B321-B2E44BF6841A}"/>
-              </a:ext>
-            </a:extLst>
-          </p:cNvPr>
-          <p:cNvSpPr>
-            <a:spLocks noGrp="1"/>
-          </p:cNvSpPr>
-          <p:nvPr>
-            <p:ph type="title"/>
-          </p:nvPr>
-        </p:nvSpPr>
-        <p:spPr/>
-        <p:txBody>
-          <a:bodyPr/>
-          <a:lstStyle/>
-          <a:p>
-            <a:r>
-              <a:rPr lang="en-US" dirty="0"/>
-              <a:t>Figure 3: </a:t>
-            </a:r>
-          </a:p>
-        </p:txBody>
-      </p:sp>
       <p:pic>
         <p:nvPicPr>
-          <p:cNvPr id="4" name="Picture 3">
-            <a:extLst>
-              <a:ext uri="{FF2B5EF4-FFF2-40B4-BE49-F238E27FC236}">
-                <a16:creationId xmlns:a16="http://schemas.microsoft.com/office/drawing/2014/main" id="{C45927BA-6150-3B8B-AD06-AC002FADB27A}"/>
+          <p:cNvPr id="10" name="Picture 9">
+            <a:extLst>
+              <a:ext uri="{FF2B5EF4-FFF2-40B4-BE49-F238E27FC236}">
+                <a16:creationId xmlns:a16="http://schemas.microsoft.com/office/drawing/2014/main" id="{22BA07A7-59CA-5173-6649-3CEB4BB0D350}"/>
               </a:ext>
             </a:extLst>
           </p:cNvPr>
@@ -5742,8 +5714,8 @@
         </p:blipFill>
         <p:spPr>
           <a:xfrm>
-            <a:off x="375107" y="1605413"/>
-            <a:ext cx="5219700" cy="3949700"/>
+            <a:off x="5669721" y="1657842"/>
+            <a:ext cx="5181600" cy="3937000"/>
           </a:xfrm>
           <a:prstGeom prst="rect">
             <a:avLst/>
@@ -5752,10 +5724,10 @@
       </p:pic>
       <p:pic>
         <p:nvPicPr>
-          <p:cNvPr id="5" name="Picture 4">
-            <a:extLst>
-              <a:ext uri="{FF2B5EF4-FFF2-40B4-BE49-F238E27FC236}">
-                <a16:creationId xmlns:a16="http://schemas.microsoft.com/office/drawing/2014/main" id="{E2EAE6FC-3234-9001-68C8-C7CF272512B9}"/>
+          <p:cNvPr id="8" name="Picture 7" descr="A graph of a graph&#10;&#10;Description automatically generated">
+            <a:extLst>
+              <a:ext uri="{FF2B5EF4-FFF2-40B4-BE49-F238E27FC236}">
+                <a16:creationId xmlns:a16="http://schemas.microsoft.com/office/drawing/2014/main" id="{6710BD88-6661-06F7-32ED-5A2A69547A43}"/>
               </a:ext>
             </a:extLst>
           </p:cNvPr>
@@ -5772,14 +5744,42 @@
         </p:blipFill>
         <p:spPr>
           <a:xfrm>
-            <a:off x="5503291" y="1603056"/>
-            <a:ext cx="5257800" cy="3949700"/>
+            <a:off x="524899" y="1627158"/>
+            <a:ext cx="4995030" cy="3998369"/>
           </a:xfrm>
           <a:prstGeom prst="rect">
             <a:avLst/>
           </a:prstGeom>
         </p:spPr>
       </p:pic>
+      <p:sp>
+        <p:nvSpPr>
+          <p:cNvPr id="2" name="Title 1">
+            <a:extLst>
+              <a:ext uri="{FF2B5EF4-FFF2-40B4-BE49-F238E27FC236}">
+                <a16:creationId xmlns:a16="http://schemas.microsoft.com/office/drawing/2014/main" id="{0690A97E-E0BD-AE2B-B321-B2E44BF6841A}"/>
+              </a:ext>
+            </a:extLst>
+          </p:cNvPr>
+          <p:cNvSpPr>
+            <a:spLocks noGrp="1"/>
+          </p:cNvSpPr>
+          <p:nvPr>
+            <p:ph type="title"/>
+          </p:nvPr>
+        </p:nvSpPr>
+        <p:spPr/>
+        <p:txBody>
+          <a:bodyPr/>
+          <a:lstStyle/>
+          <a:p>
+            <a:r>
+              <a:rPr lang="en-US" dirty="0"/>
+              <a:t>Figure 3: </a:t>
+            </a:r>
+          </a:p>
+        </p:txBody>
+      </p:sp>
       <p:sp>
         <p:nvSpPr>
           <p:cNvPr id="6" name="TextBox 5">
